--- a/presentaciones/clase_2.pptx
+++ b/presentaciones/clase_2.pptx
@@ -17,22 +17,24 @@
     <p:sldId id="273" r:id="rId11"/>
     <p:sldId id="274" r:id="rId12"/>
     <p:sldId id="275" r:id="rId13"/>
-    <p:sldId id="276" r:id="rId14"/>
-    <p:sldId id="277" r:id="rId15"/>
-    <p:sldId id="278" r:id="rId16"/>
-    <p:sldId id="279" r:id="rId17"/>
-    <p:sldId id="280" r:id="rId18"/>
-    <p:sldId id="261" r:id="rId19"/>
-    <p:sldId id="262" r:id="rId20"/>
-    <p:sldId id="263" r:id="rId21"/>
-    <p:sldId id="264" r:id="rId22"/>
-    <p:sldId id="268" r:id="rId23"/>
-    <p:sldId id="271" r:id="rId24"/>
-    <p:sldId id="281" r:id="rId25"/>
-    <p:sldId id="283" r:id="rId26"/>
-    <p:sldId id="284" r:id="rId27"/>
-    <p:sldId id="285" r:id="rId28"/>
-    <p:sldId id="286" r:id="rId29"/>
+    <p:sldId id="288" r:id="rId14"/>
+    <p:sldId id="276" r:id="rId15"/>
+    <p:sldId id="277" r:id="rId16"/>
+    <p:sldId id="278" r:id="rId17"/>
+    <p:sldId id="279" r:id="rId18"/>
+    <p:sldId id="280" r:id="rId19"/>
+    <p:sldId id="261" r:id="rId20"/>
+    <p:sldId id="262" r:id="rId21"/>
+    <p:sldId id="263" r:id="rId22"/>
+    <p:sldId id="264" r:id="rId23"/>
+    <p:sldId id="268" r:id="rId24"/>
+    <p:sldId id="271" r:id="rId25"/>
+    <p:sldId id="281" r:id="rId26"/>
+    <p:sldId id="283" r:id="rId27"/>
+    <p:sldId id="284" r:id="rId28"/>
+    <p:sldId id="285" r:id="rId29"/>
+    <p:sldId id="286" r:id="rId30"/>
+    <p:sldId id="287" r:id="rId31"/>
   </p:sldIdLst>
   <p:sldSz cx="12192000" cy="6858000"/>
   <p:notesSz cx="6858000" cy="9144000"/>
@@ -8051,6 +8053,66 @@
           <a:chExt cx="0" cy="0"/>
         </a:xfrm>
       </p:grpSpPr>
+      <p:pic>
+        <p:nvPicPr>
+          <p:cNvPr id="3" name="Imagen 2"/>
+          <p:cNvPicPr>
+            <a:picLocks noChangeAspect="1"/>
+          </p:cNvPicPr>
+          <p:nvPr/>
+        </p:nvPicPr>
+        <p:blipFill>
+          <a:blip r:embed="rId2">
+            <a:extLst>
+              <a:ext uri="{28A0092B-C50C-407E-A947-70E740481C1C}">
+                <a14:useLocalDpi xmlns:a14="http://schemas.microsoft.com/office/drawing/2010/main" val="0"/>
+              </a:ext>
+            </a:extLst>
+          </a:blip>
+          <a:stretch>
+            <a:fillRect/>
+          </a:stretch>
+        </p:blipFill>
+        <p:spPr>
+          <a:xfrm>
+            <a:off x="793630" y="121417"/>
+            <a:ext cx="10394829" cy="6627345"/>
+          </a:xfrm>
+          <a:prstGeom prst="rect">
+            <a:avLst/>
+          </a:prstGeom>
+        </p:spPr>
+      </p:pic>
+    </p:spTree>
+    <p:extLst>
+      <p:ext uri="{BB962C8B-B14F-4D97-AF65-F5344CB8AC3E}">
+        <p14:creationId xmlns:p14="http://schemas.microsoft.com/office/powerpoint/2010/main" val="2025945056"/>
+      </p:ext>
+    </p:extLst>
+  </p:cSld>
+  <p:clrMapOvr>
+    <a:masterClrMapping/>
+  </p:clrMapOvr>
+</p:sld>
+</file>
+
+<file path=ppt/slides/slide14.xml><?xml version="1.0" encoding="utf-8"?>
+<p:sld xmlns:a="http://schemas.openxmlformats.org/drawingml/2006/main" xmlns:r="http://schemas.openxmlformats.org/officeDocument/2006/relationships" xmlns:p="http://schemas.openxmlformats.org/presentationml/2006/main">
+  <p:cSld>
+    <p:spTree>
+      <p:nvGrpSpPr>
+        <p:cNvPr id="1" name=""/>
+        <p:cNvGrpSpPr/>
+        <p:nvPr/>
+      </p:nvGrpSpPr>
+      <p:grpSpPr>
+        <a:xfrm>
+          <a:off x="0" y="0"/>
+          <a:ext cx="0" cy="0"/>
+          <a:chOff x="0" y="0"/>
+          <a:chExt cx="0" cy="0"/>
+        </a:xfrm>
+      </p:grpSpPr>
       <p:sp>
         <p:nvSpPr>
           <p:cNvPr id="2" name="Título 1"/>
@@ -8510,7 +8572,7 @@
 </p:sld>
 </file>
 
-<file path=ppt/slides/slide14.xml><?xml version="1.0" encoding="utf-8"?>
+<file path=ppt/slides/slide15.xml><?xml version="1.0" encoding="utf-8"?>
 <p:sld xmlns:a="http://schemas.openxmlformats.org/drawingml/2006/main" xmlns:r="http://schemas.openxmlformats.org/officeDocument/2006/relationships" xmlns:p="http://schemas.openxmlformats.org/presentationml/2006/main">
   <p:cSld>
     <p:spTree>
@@ -8910,7 +8972,7 @@
 </p:sld>
 </file>
 
-<file path=ppt/slides/slide15.xml><?xml version="1.0" encoding="utf-8"?>
+<file path=ppt/slides/slide16.xml><?xml version="1.0" encoding="utf-8"?>
 <p:sld xmlns:a="http://schemas.openxmlformats.org/drawingml/2006/main" xmlns:r="http://schemas.openxmlformats.org/officeDocument/2006/relationships" xmlns:p="http://schemas.openxmlformats.org/presentationml/2006/main">
   <p:cSld>
     <p:spTree>
@@ -9598,7 +9660,7 @@
 </p:sld>
 </file>
 
-<file path=ppt/slides/slide16.xml><?xml version="1.0" encoding="utf-8"?>
+<file path=ppt/slides/slide17.xml><?xml version="1.0" encoding="utf-8"?>
 <p:sld xmlns:a="http://schemas.openxmlformats.org/drawingml/2006/main" xmlns:r="http://schemas.openxmlformats.org/officeDocument/2006/relationships" xmlns:p="http://schemas.openxmlformats.org/presentationml/2006/main">
   <p:cSld>
     <p:spTree>
@@ -10069,7 +10131,7 @@
 </p:sld>
 </file>
 
-<file path=ppt/slides/slide17.xml><?xml version="1.0" encoding="utf-8"?>
+<file path=ppt/slides/slide18.xml><?xml version="1.0" encoding="utf-8"?>
 <p:sld xmlns:a="http://schemas.openxmlformats.org/drawingml/2006/main" xmlns:r="http://schemas.openxmlformats.org/officeDocument/2006/relationships" xmlns:p="http://schemas.openxmlformats.org/presentationml/2006/main">
   <p:cSld>
     <p:spTree>
@@ -10145,780 +10207,6 @@
 </p:sld>
 </file>
 
-<file path=ppt/slides/slide18.xml><?xml version="1.0" encoding="utf-8"?>
-<p:sld xmlns:a="http://schemas.openxmlformats.org/drawingml/2006/main" xmlns:r="http://schemas.openxmlformats.org/officeDocument/2006/relationships" xmlns:p="http://schemas.openxmlformats.org/presentationml/2006/main">
-  <p:cSld>
-    <p:spTree>
-      <p:nvGrpSpPr>
-        <p:cNvPr id="1" name=""/>
-        <p:cNvGrpSpPr/>
-        <p:nvPr/>
-      </p:nvGrpSpPr>
-      <p:grpSpPr>
-        <a:xfrm>
-          <a:off x="0" y="0"/>
-          <a:ext cx="0" cy="0"/>
-          <a:chOff x="0" y="0"/>
-          <a:chExt cx="0" cy="0"/>
-        </a:xfrm>
-      </p:grpSpPr>
-      <p:grpSp>
-        <p:nvGrpSpPr>
-          <p:cNvPr id="4" name="Grupo 3"/>
-          <p:cNvGrpSpPr/>
-          <p:nvPr/>
-        </p:nvGrpSpPr>
-        <p:grpSpPr>
-          <a:xfrm>
-            <a:off x="857021" y="1264988"/>
-            <a:ext cx="9788975" cy="5438536"/>
-            <a:chOff x="3763642" y="6072133"/>
-            <a:chExt cx="4664710" cy="2714142"/>
-          </a:xfrm>
-        </p:grpSpPr>
-        <p:sp>
-          <p:nvSpPr>
-            <p:cNvPr id="5" name="Cuadro de texto 2"/>
-            <p:cNvSpPr txBox="1">
-              <a:spLocks noChangeArrowheads="1"/>
-            </p:cNvSpPr>
-            <p:nvPr/>
-          </p:nvSpPr>
-          <p:spPr bwMode="auto">
-            <a:xfrm>
-              <a:off x="3763642" y="6072133"/>
-              <a:ext cx="4664710" cy="2430691"/>
-            </a:xfrm>
-            <a:prstGeom prst="rect">
-              <a:avLst/>
-            </a:prstGeom>
-            <a:solidFill>
-              <a:schemeClr val="bg1">
-                <a:lumMod val="95000"/>
-              </a:schemeClr>
-            </a:solidFill>
-            <a:ln w="9525">
-              <a:noFill/>
-              <a:miter lim="800000"/>
-              <a:headEnd/>
-              <a:tailEnd/>
-            </a:ln>
-          </p:spPr>
-          <p:txBody>
-            <a:bodyPr rot="0" vert="horz" wrap="square" lIns="91440" tIns="45720" rIns="91440" bIns="45720" anchor="t" anchorCtr="0">
-              <a:spAutoFit/>
-            </a:bodyPr>
-            <a:lstStyle/>
-            <a:p>
-              <a:pPr>
-                <a:lnSpc>
-                  <a:spcPct val="115000"/>
-                </a:lnSpc>
-                <a:spcAft>
-                  <a:spcPts val="0"/>
-                </a:spcAft>
-              </a:pPr>
-              <a:r>
-                <a:rPr lang="es-ES" dirty="0" smtClean="0">
-                  <a:latin typeface="Consolas" panose="020B0609020204030204" pitchFamily="49" charset="0"/>
-                  <a:ea typeface="Calibri" panose="020F0502020204030204" pitchFamily="34" charset="0"/>
-                  <a:cs typeface="Times New Roman" panose="02020603050405020304" pitchFamily="18" charset="0"/>
-                </a:rPr>
-                <a:t>&lt;?</a:t>
-              </a:r>
-              <a:r>
-                <a:rPr lang="es-ES" dirty="0" err="1">
-                  <a:latin typeface="Consolas" panose="020B0609020204030204" pitchFamily="49" charset="0"/>
-                  <a:ea typeface="Calibri" panose="020F0502020204030204" pitchFamily="34" charset="0"/>
-                  <a:cs typeface="Times New Roman" panose="02020603050405020304" pitchFamily="18" charset="0"/>
-                </a:rPr>
-                <a:t>php</a:t>
-              </a:r>
-              <a:endParaRPr lang="es-ES" dirty="0">
-                <a:latin typeface="Consolas" panose="020B0609020204030204" pitchFamily="49" charset="0"/>
-                <a:ea typeface="Calibri" panose="020F0502020204030204" pitchFamily="34" charset="0"/>
-                <a:cs typeface="Times New Roman" panose="02020603050405020304" pitchFamily="18" charset="0"/>
-              </a:endParaRPr>
-            </a:p>
-            <a:p>
-              <a:pPr>
-                <a:lnSpc>
-                  <a:spcPct val="115000"/>
-                </a:lnSpc>
-                <a:spcAft>
-                  <a:spcPts val="0"/>
-                </a:spcAft>
-              </a:pPr>
-              <a:r>
-                <a:rPr lang="es-ES" dirty="0">
-                  <a:latin typeface="Consolas" panose="020B0609020204030204" pitchFamily="49" charset="0"/>
-                  <a:ea typeface="Calibri" panose="020F0502020204030204" pitchFamily="34" charset="0"/>
-                  <a:cs typeface="Times New Roman" panose="02020603050405020304" pitchFamily="18" charset="0"/>
-                </a:rPr>
-                <a:t>$</a:t>
-              </a:r>
-              <a:r>
-                <a:rPr lang="es-ES" dirty="0" err="1">
-                  <a:latin typeface="Consolas" panose="020B0609020204030204" pitchFamily="49" charset="0"/>
-                  <a:ea typeface="Calibri" panose="020F0502020204030204" pitchFamily="34" charset="0"/>
-                  <a:cs typeface="Times New Roman" panose="02020603050405020304" pitchFamily="18" charset="0"/>
-                </a:rPr>
-                <a:t>servername</a:t>
-              </a:r>
-              <a:r>
-                <a:rPr lang="es-ES" dirty="0">
-                  <a:latin typeface="Consolas" panose="020B0609020204030204" pitchFamily="49" charset="0"/>
-                  <a:ea typeface="Calibri" panose="020F0502020204030204" pitchFamily="34" charset="0"/>
-                  <a:cs typeface="Times New Roman" panose="02020603050405020304" pitchFamily="18" charset="0"/>
-                </a:rPr>
-                <a:t> = "</a:t>
-              </a:r>
-              <a:r>
-                <a:rPr lang="es-ES" dirty="0" err="1">
-                  <a:latin typeface="Consolas" panose="020B0609020204030204" pitchFamily="49" charset="0"/>
-                  <a:ea typeface="Calibri" panose="020F0502020204030204" pitchFamily="34" charset="0"/>
-                  <a:cs typeface="Times New Roman" panose="02020603050405020304" pitchFamily="18" charset="0"/>
-                </a:rPr>
-                <a:t>localhost</a:t>
-              </a:r>
-              <a:r>
-                <a:rPr lang="es-ES" dirty="0">
-                  <a:latin typeface="Consolas" panose="020B0609020204030204" pitchFamily="49" charset="0"/>
-                  <a:ea typeface="Calibri" panose="020F0502020204030204" pitchFamily="34" charset="0"/>
-                  <a:cs typeface="Times New Roman" panose="02020603050405020304" pitchFamily="18" charset="0"/>
-                </a:rPr>
-                <a:t>";</a:t>
-              </a:r>
-            </a:p>
-            <a:p>
-              <a:pPr>
-                <a:lnSpc>
-                  <a:spcPct val="115000"/>
-                </a:lnSpc>
-                <a:spcAft>
-                  <a:spcPts val="0"/>
-                </a:spcAft>
-              </a:pPr>
-              <a:r>
-                <a:rPr lang="es-ES" dirty="0">
-                  <a:latin typeface="Consolas" panose="020B0609020204030204" pitchFamily="49" charset="0"/>
-                  <a:ea typeface="Calibri" panose="020F0502020204030204" pitchFamily="34" charset="0"/>
-                  <a:cs typeface="Times New Roman" panose="02020603050405020304" pitchFamily="18" charset="0"/>
-                </a:rPr>
-                <a:t>$</a:t>
-              </a:r>
-              <a:r>
-                <a:rPr lang="es-ES" dirty="0" err="1">
-                  <a:latin typeface="Consolas" panose="020B0609020204030204" pitchFamily="49" charset="0"/>
-                  <a:ea typeface="Calibri" panose="020F0502020204030204" pitchFamily="34" charset="0"/>
-                  <a:cs typeface="Times New Roman" panose="02020603050405020304" pitchFamily="18" charset="0"/>
-                </a:rPr>
-                <a:t>username</a:t>
-              </a:r>
-              <a:r>
-                <a:rPr lang="es-ES" dirty="0">
-                  <a:latin typeface="Consolas" panose="020B0609020204030204" pitchFamily="49" charset="0"/>
-                  <a:ea typeface="Calibri" panose="020F0502020204030204" pitchFamily="34" charset="0"/>
-                  <a:cs typeface="Times New Roman" panose="02020603050405020304" pitchFamily="18" charset="0"/>
-                </a:rPr>
-                <a:t> = "</a:t>
-              </a:r>
-              <a:r>
-                <a:rPr lang="es-ES" dirty="0" err="1">
-                  <a:latin typeface="Consolas" panose="020B0609020204030204" pitchFamily="49" charset="0"/>
-                  <a:ea typeface="Calibri" panose="020F0502020204030204" pitchFamily="34" charset="0"/>
-                  <a:cs typeface="Times New Roman" panose="02020603050405020304" pitchFamily="18" charset="0"/>
-                </a:rPr>
-                <a:t>username</a:t>
-              </a:r>
-              <a:r>
-                <a:rPr lang="es-ES" dirty="0">
-                  <a:latin typeface="Consolas" panose="020B0609020204030204" pitchFamily="49" charset="0"/>
-                  <a:ea typeface="Calibri" panose="020F0502020204030204" pitchFamily="34" charset="0"/>
-                  <a:cs typeface="Times New Roman" panose="02020603050405020304" pitchFamily="18" charset="0"/>
-                </a:rPr>
-                <a:t>";</a:t>
-              </a:r>
-            </a:p>
-            <a:p>
-              <a:pPr>
-                <a:lnSpc>
-                  <a:spcPct val="115000"/>
-                </a:lnSpc>
-                <a:spcAft>
-                  <a:spcPts val="0"/>
-                </a:spcAft>
-              </a:pPr>
-              <a:r>
-                <a:rPr lang="es-ES" dirty="0">
-                  <a:latin typeface="Consolas" panose="020B0609020204030204" pitchFamily="49" charset="0"/>
-                  <a:ea typeface="Calibri" panose="020F0502020204030204" pitchFamily="34" charset="0"/>
-                  <a:cs typeface="Times New Roman" panose="02020603050405020304" pitchFamily="18" charset="0"/>
-                </a:rPr>
-                <a:t>$</a:t>
-              </a:r>
-              <a:r>
-                <a:rPr lang="es-ES" dirty="0" err="1">
-                  <a:latin typeface="Consolas" panose="020B0609020204030204" pitchFamily="49" charset="0"/>
-                  <a:ea typeface="Calibri" panose="020F0502020204030204" pitchFamily="34" charset="0"/>
-                  <a:cs typeface="Times New Roman" panose="02020603050405020304" pitchFamily="18" charset="0"/>
-                </a:rPr>
-                <a:t>password</a:t>
-              </a:r>
-              <a:r>
-                <a:rPr lang="es-ES" dirty="0">
-                  <a:latin typeface="Consolas" panose="020B0609020204030204" pitchFamily="49" charset="0"/>
-                  <a:ea typeface="Calibri" panose="020F0502020204030204" pitchFamily="34" charset="0"/>
-                  <a:cs typeface="Times New Roman" panose="02020603050405020304" pitchFamily="18" charset="0"/>
-                </a:rPr>
-                <a:t> = "</a:t>
-              </a:r>
-              <a:r>
-                <a:rPr lang="es-ES" dirty="0" err="1">
-                  <a:latin typeface="Consolas" panose="020B0609020204030204" pitchFamily="49" charset="0"/>
-                  <a:ea typeface="Calibri" panose="020F0502020204030204" pitchFamily="34" charset="0"/>
-                  <a:cs typeface="Times New Roman" panose="02020603050405020304" pitchFamily="18" charset="0"/>
-                </a:rPr>
-                <a:t>password</a:t>
-              </a:r>
-              <a:r>
-                <a:rPr lang="es-ES" dirty="0">
-                  <a:latin typeface="Consolas" panose="020B0609020204030204" pitchFamily="49" charset="0"/>
-                  <a:ea typeface="Calibri" panose="020F0502020204030204" pitchFamily="34" charset="0"/>
-                  <a:cs typeface="Times New Roman" panose="02020603050405020304" pitchFamily="18" charset="0"/>
-                </a:rPr>
-                <a:t>";</a:t>
-              </a:r>
-            </a:p>
-            <a:p>
-              <a:pPr>
-                <a:lnSpc>
-                  <a:spcPct val="115000"/>
-                </a:lnSpc>
-                <a:spcAft>
-                  <a:spcPts val="0"/>
-                </a:spcAft>
-              </a:pPr>
-              <a:endParaRPr lang="es-ES" dirty="0">
-                <a:latin typeface="Consolas" panose="020B0609020204030204" pitchFamily="49" charset="0"/>
-                <a:ea typeface="Calibri" panose="020F0502020204030204" pitchFamily="34" charset="0"/>
-                <a:cs typeface="Times New Roman" panose="02020603050405020304" pitchFamily="18" charset="0"/>
-              </a:endParaRPr>
-            </a:p>
-            <a:p>
-              <a:pPr>
-                <a:lnSpc>
-                  <a:spcPct val="115000"/>
-                </a:lnSpc>
-                <a:spcAft>
-                  <a:spcPts val="0"/>
-                </a:spcAft>
-              </a:pPr>
-              <a:r>
-                <a:rPr lang="es-ES" dirty="0">
-                  <a:latin typeface="Consolas" panose="020B0609020204030204" pitchFamily="49" charset="0"/>
-                  <a:ea typeface="Calibri" panose="020F0502020204030204" pitchFamily="34" charset="0"/>
-                  <a:cs typeface="Times New Roman" panose="02020603050405020304" pitchFamily="18" charset="0"/>
-                </a:rPr>
-                <a:t>// Crear la </a:t>
-              </a:r>
-              <a:r>
-                <a:rPr lang="es-ES" dirty="0" err="1">
-                  <a:latin typeface="Consolas" panose="020B0609020204030204" pitchFamily="49" charset="0"/>
-                  <a:ea typeface="Calibri" panose="020F0502020204030204" pitchFamily="34" charset="0"/>
-                  <a:cs typeface="Times New Roman" panose="02020603050405020304" pitchFamily="18" charset="0"/>
-                </a:rPr>
-                <a:t>conexion</a:t>
-              </a:r>
-              <a:endParaRPr lang="es-ES" dirty="0">
-                <a:latin typeface="Consolas" panose="020B0609020204030204" pitchFamily="49" charset="0"/>
-                <a:ea typeface="Calibri" panose="020F0502020204030204" pitchFamily="34" charset="0"/>
-                <a:cs typeface="Times New Roman" panose="02020603050405020304" pitchFamily="18" charset="0"/>
-              </a:endParaRPr>
-            </a:p>
-            <a:p>
-              <a:pPr>
-                <a:lnSpc>
-                  <a:spcPct val="115000"/>
-                </a:lnSpc>
-                <a:spcAft>
-                  <a:spcPts val="0"/>
-                </a:spcAft>
-              </a:pPr>
-              <a:r>
-                <a:rPr lang="es-ES" dirty="0">
-                  <a:latin typeface="Consolas" panose="020B0609020204030204" pitchFamily="49" charset="0"/>
-                  <a:ea typeface="Calibri" panose="020F0502020204030204" pitchFamily="34" charset="0"/>
-                  <a:cs typeface="Times New Roman" panose="02020603050405020304" pitchFamily="18" charset="0"/>
-                </a:rPr>
-                <a:t>$</a:t>
-              </a:r>
-              <a:r>
-                <a:rPr lang="es-ES" dirty="0" err="1">
-                  <a:latin typeface="Consolas" panose="020B0609020204030204" pitchFamily="49" charset="0"/>
-                  <a:ea typeface="Calibri" panose="020F0502020204030204" pitchFamily="34" charset="0"/>
-                  <a:cs typeface="Times New Roman" panose="02020603050405020304" pitchFamily="18" charset="0"/>
-                </a:rPr>
-                <a:t>conn</a:t>
-              </a:r>
-              <a:r>
-                <a:rPr lang="es-ES" dirty="0">
-                  <a:latin typeface="Consolas" panose="020B0609020204030204" pitchFamily="49" charset="0"/>
-                  <a:ea typeface="Calibri" panose="020F0502020204030204" pitchFamily="34" charset="0"/>
-                  <a:cs typeface="Times New Roman" panose="02020603050405020304" pitchFamily="18" charset="0"/>
-                </a:rPr>
-                <a:t> = new </a:t>
-              </a:r>
-              <a:r>
-                <a:rPr lang="es-ES" dirty="0" err="1">
-                  <a:latin typeface="Consolas" panose="020B0609020204030204" pitchFamily="49" charset="0"/>
-                  <a:ea typeface="Calibri" panose="020F0502020204030204" pitchFamily="34" charset="0"/>
-                  <a:cs typeface="Times New Roman" panose="02020603050405020304" pitchFamily="18" charset="0"/>
-                </a:rPr>
-                <a:t>mysqli</a:t>
-              </a:r>
-              <a:r>
-                <a:rPr lang="es-ES" dirty="0">
-                  <a:latin typeface="Consolas" panose="020B0609020204030204" pitchFamily="49" charset="0"/>
-                  <a:ea typeface="Calibri" panose="020F0502020204030204" pitchFamily="34" charset="0"/>
-                  <a:cs typeface="Times New Roman" panose="02020603050405020304" pitchFamily="18" charset="0"/>
-                </a:rPr>
-                <a:t>($</a:t>
-              </a:r>
-              <a:r>
-                <a:rPr lang="es-ES" dirty="0" err="1">
-                  <a:latin typeface="Consolas" panose="020B0609020204030204" pitchFamily="49" charset="0"/>
-                  <a:ea typeface="Calibri" panose="020F0502020204030204" pitchFamily="34" charset="0"/>
-                  <a:cs typeface="Times New Roman" panose="02020603050405020304" pitchFamily="18" charset="0"/>
-                </a:rPr>
-                <a:t>servername</a:t>
-              </a:r>
-              <a:r>
-                <a:rPr lang="es-ES" dirty="0">
-                  <a:latin typeface="Consolas" panose="020B0609020204030204" pitchFamily="49" charset="0"/>
-                  <a:ea typeface="Calibri" panose="020F0502020204030204" pitchFamily="34" charset="0"/>
-                  <a:cs typeface="Times New Roman" panose="02020603050405020304" pitchFamily="18" charset="0"/>
-                </a:rPr>
-                <a:t>, $</a:t>
-              </a:r>
-              <a:r>
-                <a:rPr lang="es-ES" dirty="0" err="1">
-                  <a:latin typeface="Consolas" panose="020B0609020204030204" pitchFamily="49" charset="0"/>
-                  <a:ea typeface="Calibri" panose="020F0502020204030204" pitchFamily="34" charset="0"/>
-                  <a:cs typeface="Times New Roman" panose="02020603050405020304" pitchFamily="18" charset="0"/>
-                </a:rPr>
-                <a:t>username</a:t>
-              </a:r>
-              <a:r>
-                <a:rPr lang="es-ES" dirty="0">
-                  <a:latin typeface="Consolas" panose="020B0609020204030204" pitchFamily="49" charset="0"/>
-                  <a:ea typeface="Calibri" panose="020F0502020204030204" pitchFamily="34" charset="0"/>
-                  <a:cs typeface="Times New Roman" panose="02020603050405020304" pitchFamily="18" charset="0"/>
-                </a:rPr>
-                <a:t>, $</a:t>
-              </a:r>
-              <a:r>
-                <a:rPr lang="es-ES" dirty="0" err="1">
-                  <a:latin typeface="Consolas" panose="020B0609020204030204" pitchFamily="49" charset="0"/>
-                  <a:ea typeface="Calibri" panose="020F0502020204030204" pitchFamily="34" charset="0"/>
-                  <a:cs typeface="Times New Roman" panose="02020603050405020304" pitchFamily="18" charset="0"/>
-                </a:rPr>
-                <a:t>password</a:t>
-              </a:r>
-              <a:r>
-                <a:rPr lang="es-ES" dirty="0">
-                  <a:latin typeface="Consolas" panose="020B0609020204030204" pitchFamily="49" charset="0"/>
-                  <a:ea typeface="Calibri" panose="020F0502020204030204" pitchFamily="34" charset="0"/>
-                  <a:cs typeface="Times New Roman" panose="02020603050405020304" pitchFamily="18" charset="0"/>
-                </a:rPr>
-                <a:t>);</a:t>
-              </a:r>
-            </a:p>
-            <a:p>
-              <a:pPr>
-                <a:lnSpc>
-                  <a:spcPct val="115000"/>
-                </a:lnSpc>
-                <a:spcAft>
-                  <a:spcPts val="0"/>
-                </a:spcAft>
-              </a:pPr>
-              <a:endParaRPr lang="es-ES" dirty="0">
-                <a:latin typeface="Consolas" panose="020B0609020204030204" pitchFamily="49" charset="0"/>
-                <a:ea typeface="Calibri" panose="020F0502020204030204" pitchFamily="34" charset="0"/>
-                <a:cs typeface="Times New Roman" panose="02020603050405020304" pitchFamily="18" charset="0"/>
-              </a:endParaRPr>
-            </a:p>
-            <a:p>
-              <a:pPr>
-                <a:lnSpc>
-                  <a:spcPct val="115000"/>
-                </a:lnSpc>
-                <a:spcAft>
-                  <a:spcPts val="0"/>
-                </a:spcAft>
-              </a:pPr>
-              <a:r>
-                <a:rPr lang="es-ES" dirty="0">
-                  <a:latin typeface="Consolas" panose="020B0609020204030204" pitchFamily="49" charset="0"/>
-                  <a:ea typeface="Calibri" panose="020F0502020204030204" pitchFamily="34" charset="0"/>
-                  <a:cs typeface="Times New Roman" panose="02020603050405020304" pitchFamily="18" charset="0"/>
-                </a:rPr>
-                <a:t>// Validar la </a:t>
-              </a:r>
-              <a:r>
-                <a:rPr lang="es-ES" dirty="0" err="1">
-                  <a:latin typeface="Consolas" panose="020B0609020204030204" pitchFamily="49" charset="0"/>
-                  <a:ea typeface="Calibri" panose="020F0502020204030204" pitchFamily="34" charset="0"/>
-                  <a:cs typeface="Times New Roman" panose="02020603050405020304" pitchFamily="18" charset="0"/>
-                </a:rPr>
-                <a:t>conexion</a:t>
-              </a:r>
-              <a:endParaRPr lang="es-ES" dirty="0">
-                <a:latin typeface="Consolas" panose="020B0609020204030204" pitchFamily="49" charset="0"/>
-                <a:ea typeface="Calibri" panose="020F0502020204030204" pitchFamily="34" charset="0"/>
-                <a:cs typeface="Times New Roman" panose="02020603050405020304" pitchFamily="18" charset="0"/>
-              </a:endParaRPr>
-            </a:p>
-            <a:p>
-              <a:pPr>
-                <a:lnSpc>
-                  <a:spcPct val="115000"/>
-                </a:lnSpc>
-                <a:spcAft>
-                  <a:spcPts val="0"/>
-                </a:spcAft>
-              </a:pPr>
-              <a:r>
-                <a:rPr lang="es-ES" dirty="0" err="1">
-                  <a:latin typeface="Consolas" panose="020B0609020204030204" pitchFamily="49" charset="0"/>
-                  <a:ea typeface="Calibri" panose="020F0502020204030204" pitchFamily="34" charset="0"/>
-                  <a:cs typeface="Times New Roman" panose="02020603050405020304" pitchFamily="18" charset="0"/>
-                </a:rPr>
-                <a:t>if</a:t>
-              </a:r>
-              <a:r>
-                <a:rPr lang="es-ES" dirty="0">
-                  <a:latin typeface="Consolas" panose="020B0609020204030204" pitchFamily="49" charset="0"/>
-                  <a:ea typeface="Calibri" panose="020F0502020204030204" pitchFamily="34" charset="0"/>
-                  <a:cs typeface="Times New Roman" panose="02020603050405020304" pitchFamily="18" charset="0"/>
-                </a:rPr>
-                <a:t> ($</a:t>
-              </a:r>
-              <a:r>
-                <a:rPr lang="es-ES" dirty="0" err="1">
-                  <a:latin typeface="Consolas" panose="020B0609020204030204" pitchFamily="49" charset="0"/>
-                  <a:ea typeface="Calibri" panose="020F0502020204030204" pitchFamily="34" charset="0"/>
-                  <a:cs typeface="Times New Roman" panose="02020603050405020304" pitchFamily="18" charset="0"/>
-                </a:rPr>
-                <a:t>conn</a:t>
-              </a:r>
-              <a:r>
-                <a:rPr lang="es-ES" dirty="0">
-                  <a:latin typeface="Consolas" panose="020B0609020204030204" pitchFamily="49" charset="0"/>
-                  <a:ea typeface="Calibri" panose="020F0502020204030204" pitchFamily="34" charset="0"/>
-                  <a:cs typeface="Times New Roman" panose="02020603050405020304" pitchFamily="18" charset="0"/>
-                </a:rPr>
-                <a:t>-&gt;</a:t>
-              </a:r>
-              <a:r>
-                <a:rPr lang="es-ES" dirty="0" err="1">
-                  <a:latin typeface="Consolas" panose="020B0609020204030204" pitchFamily="49" charset="0"/>
-                  <a:ea typeface="Calibri" panose="020F0502020204030204" pitchFamily="34" charset="0"/>
-                  <a:cs typeface="Times New Roman" panose="02020603050405020304" pitchFamily="18" charset="0"/>
-                </a:rPr>
-                <a:t>connect_error</a:t>
-              </a:r>
-              <a:r>
-                <a:rPr lang="es-ES" dirty="0">
-                  <a:latin typeface="Consolas" panose="020B0609020204030204" pitchFamily="49" charset="0"/>
-                  <a:ea typeface="Calibri" panose="020F0502020204030204" pitchFamily="34" charset="0"/>
-                  <a:cs typeface="Times New Roman" panose="02020603050405020304" pitchFamily="18" charset="0"/>
-                </a:rPr>
-                <a:t>) {</a:t>
-              </a:r>
-            </a:p>
-            <a:p>
-              <a:pPr>
-                <a:lnSpc>
-                  <a:spcPct val="115000"/>
-                </a:lnSpc>
-                <a:spcAft>
-                  <a:spcPts val="0"/>
-                </a:spcAft>
-              </a:pPr>
-              <a:r>
-                <a:rPr lang="es-ES" dirty="0">
-                  <a:latin typeface="Consolas" panose="020B0609020204030204" pitchFamily="49" charset="0"/>
-                  <a:ea typeface="Calibri" panose="020F0502020204030204" pitchFamily="34" charset="0"/>
-                  <a:cs typeface="Times New Roman" panose="02020603050405020304" pitchFamily="18" charset="0"/>
-                </a:rPr>
-                <a:t>    die("</a:t>
-              </a:r>
-              <a:r>
-                <a:rPr lang="es-ES" dirty="0" err="1">
-                  <a:latin typeface="Consolas" panose="020B0609020204030204" pitchFamily="49" charset="0"/>
-                  <a:ea typeface="Calibri" panose="020F0502020204030204" pitchFamily="34" charset="0"/>
-                  <a:cs typeface="Times New Roman" panose="02020603050405020304" pitchFamily="18" charset="0"/>
-                </a:rPr>
-                <a:t>Conexion</a:t>
-              </a:r>
-              <a:r>
-                <a:rPr lang="es-ES" dirty="0">
-                  <a:latin typeface="Consolas" panose="020B0609020204030204" pitchFamily="49" charset="0"/>
-                  <a:ea typeface="Calibri" panose="020F0502020204030204" pitchFamily="34" charset="0"/>
-                  <a:cs typeface="Times New Roman" panose="02020603050405020304" pitchFamily="18" charset="0"/>
-                </a:rPr>
-                <a:t> fallida: " . $</a:t>
-              </a:r>
-              <a:r>
-                <a:rPr lang="es-ES" dirty="0" err="1">
-                  <a:latin typeface="Consolas" panose="020B0609020204030204" pitchFamily="49" charset="0"/>
-                  <a:ea typeface="Calibri" panose="020F0502020204030204" pitchFamily="34" charset="0"/>
-                  <a:cs typeface="Times New Roman" panose="02020603050405020304" pitchFamily="18" charset="0"/>
-                </a:rPr>
-                <a:t>conn</a:t>
-              </a:r>
-              <a:r>
-                <a:rPr lang="es-ES" dirty="0">
-                  <a:latin typeface="Consolas" panose="020B0609020204030204" pitchFamily="49" charset="0"/>
-                  <a:ea typeface="Calibri" panose="020F0502020204030204" pitchFamily="34" charset="0"/>
-                  <a:cs typeface="Times New Roman" panose="02020603050405020304" pitchFamily="18" charset="0"/>
-                </a:rPr>
-                <a:t>-&gt;</a:t>
-              </a:r>
-              <a:r>
-                <a:rPr lang="es-ES" dirty="0" err="1">
-                  <a:latin typeface="Consolas" panose="020B0609020204030204" pitchFamily="49" charset="0"/>
-                  <a:ea typeface="Calibri" panose="020F0502020204030204" pitchFamily="34" charset="0"/>
-                  <a:cs typeface="Times New Roman" panose="02020603050405020304" pitchFamily="18" charset="0"/>
-                </a:rPr>
-                <a:t>connect_error</a:t>
-              </a:r>
-              <a:r>
-                <a:rPr lang="es-ES" dirty="0">
-                  <a:latin typeface="Consolas" panose="020B0609020204030204" pitchFamily="49" charset="0"/>
-                  <a:ea typeface="Calibri" panose="020F0502020204030204" pitchFamily="34" charset="0"/>
-                  <a:cs typeface="Times New Roman" panose="02020603050405020304" pitchFamily="18" charset="0"/>
-                </a:rPr>
-                <a:t>);</a:t>
-              </a:r>
-            </a:p>
-            <a:p>
-              <a:pPr>
-                <a:lnSpc>
-                  <a:spcPct val="115000"/>
-                </a:lnSpc>
-                <a:spcAft>
-                  <a:spcPts val="0"/>
-                </a:spcAft>
-              </a:pPr>
-              <a:r>
-                <a:rPr lang="es-ES" dirty="0">
-                  <a:latin typeface="Consolas" panose="020B0609020204030204" pitchFamily="49" charset="0"/>
-                  <a:ea typeface="Calibri" panose="020F0502020204030204" pitchFamily="34" charset="0"/>
-                  <a:cs typeface="Times New Roman" panose="02020603050405020304" pitchFamily="18" charset="0"/>
-                </a:rPr>
-                <a:t>}</a:t>
-              </a:r>
-            </a:p>
-            <a:p>
-              <a:pPr>
-                <a:lnSpc>
-                  <a:spcPct val="115000"/>
-                </a:lnSpc>
-                <a:spcAft>
-                  <a:spcPts val="0"/>
-                </a:spcAft>
-              </a:pPr>
-              <a:r>
-                <a:rPr lang="es-ES" dirty="0">
-                  <a:latin typeface="Consolas" panose="020B0609020204030204" pitchFamily="49" charset="0"/>
-                  <a:ea typeface="Calibri" panose="020F0502020204030204" pitchFamily="34" charset="0"/>
-                  <a:cs typeface="Times New Roman" panose="02020603050405020304" pitchFamily="18" charset="0"/>
-                </a:rPr>
-                <a:t>echo "</a:t>
-              </a:r>
-              <a:r>
-                <a:rPr lang="es-ES" dirty="0" err="1">
-                  <a:latin typeface="Consolas" panose="020B0609020204030204" pitchFamily="49" charset="0"/>
-                  <a:ea typeface="Calibri" panose="020F0502020204030204" pitchFamily="34" charset="0"/>
-                  <a:cs typeface="Times New Roman" panose="02020603050405020304" pitchFamily="18" charset="0"/>
-                </a:rPr>
-                <a:t>Conexion</a:t>
-              </a:r>
-              <a:r>
-                <a:rPr lang="es-ES" dirty="0">
-                  <a:latin typeface="Consolas" panose="020B0609020204030204" pitchFamily="49" charset="0"/>
-                  <a:ea typeface="Calibri" panose="020F0502020204030204" pitchFamily="34" charset="0"/>
-                  <a:cs typeface="Times New Roman" panose="02020603050405020304" pitchFamily="18" charset="0"/>
-                </a:rPr>
-                <a:t> exitosa</a:t>
-              </a:r>
-              <a:r>
-                <a:rPr lang="es-ES" dirty="0" smtClean="0">
-                  <a:latin typeface="Consolas" panose="020B0609020204030204" pitchFamily="49" charset="0"/>
-                  <a:ea typeface="Calibri" panose="020F0502020204030204" pitchFamily="34" charset="0"/>
-                  <a:cs typeface="Times New Roman" panose="02020603050405020304" pitchFamily="18" charset="0"/>
-                </a:rPr>
-                <a:t>";</a:t>
-              </a:r>
-            </a:p>
-            <a:p>
-              <a:pPr>
-                <a:lnSpc>
-                  <a:spcPct val="115000"/>
-                </a:lnSpc>
-                <a:spcAft>
-                  <a:spcPts val="0"/>
-                </a:spcAft>
-              </a:pPr>
-              <a:r>
-                <a:rPr lang="es-ES" dirty="0">
-                  <a:latin typeface="Consolas" panose="020B0609020204030204" pitchFamily="49" charset="0"/>
-                  <a:ea typeface="Calibri" panose="020F0502020204030204" pitchFamily="34" charset="0"/>
-                  <a:cs typeface="Times New Roman" panose="02020603050405020304" pitchFamily="18" charset="0"/>
-                </a:rPr>
-                <a:t>$</a:t>
-              </a:r>
-              <a:r>
-                <a:rPr lang="es-ES" dirty="0" err="1">
-                  <a:latin typeface="Consolas" panose="020B0609020204030204" pitchFamily="49" charset="0"/>
-                  <a:ea typeface="Calibri" panose="020F0502020204030204" pitchFamily="34" charset="0"/>
-                  <a:cs typeface="Times New Roman" panose="02020603050405020304" pitchFamily="18" charset="0"/>
-                </a:rPr>
-                <a:t>conn</a:t>
-              </a:r>
-              <a:r>
-                <a:rPr lang="es-ES" dirty="0">
-                  <a:latin typeface="Consolas" panose="020B0609020204030204" pitchFamily="49" charset="0"/>
-                  <a:ea typeface="Calibri" panose="020F0502020204030204" pitchFamily="34" charset="0"/>
-                  <a:cs typeface="Times New Roman" panose="02020603050405020304" pitchFamily="18" charset="0"/>
-                </a:rPr>
-                <a:t>-&gt;</a:t>
-              </a:r>
-              <a:r>
-                <a:rPr lang="es-ES" dirty="0" err="1">
-                  <a:latin typeface="Consolas" panose="020B0609020204030204" pitchFamily="49" charset="0"/>
-                  <a:ea typeface="Calibri" panose="020F0502020204030204" pitchFamily="34" charset="0"/>
-                  <a:cs typeface="Times New Roman" panose="02020603050405020304" pitchFamily="18" charset="0"/>
-                </a:rPr>
-                <a:t>close</a:t>
-              </a:r>
-              <a:r>
-                <a:rPr lang="es-ES" dirty="0">
-                  <a:latin typeface="Consolas" panose="020B0609020204030204" pitchFamily="49" charset="0"/>
-                  <a:ea typeface="Calibri" panose="020F0502020204030204" pitchFamily="34" charset="0"/>
-                  <a:cs typeface="Times New Roman" panose="02020603050405020304" pitchFamily="18" charset="0"/>
-                </a:rPr>
-                <a:t>(); </a:t>
-              </a:r>
-            </a:p>
-            <a:p>
-              <a:pPr>
-                <a:lnSpc>
-                  <a:spcPct val="115000"/>
-                </a:lnSpc>
-                <a:spcAft>
-                  <a:spcPts val="0"/>
-                </a:spcAft>
-              </a:pPr>
-              <a:r>
-                <a:rPr lang="es-ES" dirty="0">
-                  <a:latin typeface="Consolas" panose="020B0609020204030204" pitchFamily="49" charset="0"/>
-                  <a:ea typeface="Calibri" panose="020F0502020204030204" pitchFamily="34" charset="0"/>
-                  <a:cs typeface="Times New Roman" panose="02020603050405020304" pitchFamily="18" charset="0"/>
-                </a:rPr>
-                <a:t>?&gt; </a:t>
-              </a:r>
-            </a:p>
-          </p:txBody>
-        </p:sp>
-        <p:sp>
-          <p:nvSpPr>
-            <p:cNvPr id="6" name="Rectángulo 5"/>
-            <p:cNvSpPr/>
-            <p:nvPr/>
-          </p:nvSpPr>
-          <p:spPr>
-            <a:xfrm>
-              <a:off x="3763642" y="8502824"/>
-              <a:ext cx="4664710" cy="283451"/>
-            </a:xfrm>
-            <a:prstGeom prst="rect">
-              <a:avLst/>
-            </a:prstGeom>
-          </p:spPr>
-          <p:style>
-            <a:lnRef idx="2">
-              <a:schemeClr val="accent2">
-                <a:shade val="50000"/>
-              </a:schemeClr>
-            </a:lnRef>
-            <a:fillRef idx="1">
-              <a:schemeClr val="accent2"/>
-            </a:fillRef>
-            <a:effectRef idx="0">
-              <a:schemeClr val="accent2"/>
-            </a:effectRef>
-            <a:fontRef idx="minor">
-              <a:schemeClr val="lt1"/>
-            </a:fontRef>
-          </p:style>
-          <p:txBody>
-            <a:bodyPr rtlCol="0" anchor="ctr"/>
-            <a:lstStyle/>
-            <a:p>
-              <a:r>
-                <a:rPr lang="es-ES" dirty="0" smtClean="0"/>
-                <a:t>Código 1.1</a:t>
-              </a:r>
-              <a:endParaRPr lang="es-ES" dirty="0"/>
-            </a:p>
-          </p:txBody>
-        </p:sp>
-      </p:grpSp>
-      <p:sp>
-        <p:nvSpPr>
-          <p:cNvPr id="7" name="Título 6"/>
-          <p:cNvSpPr>
-            <a:spLocks noGrp="1"/>
-          </p:cNvSpPr>
-          <p:nvPr>
-            <p:ph type="title"/>
-          </p:nvPr>
-        </p:nvSpPr>
-        <p:spPr>
-          <a:xfrm>
-            <a:off x="685795" y="152400"/>
-            <a:ext cx="10131425" cy="1112587"/>
-          </a:xfrm>
-        </p:spPr>
-        <p:txBody>
-          <a:bodyPr/>
-          <a:lstStyle/>
-          <a:p>
-            <a:r>
-              <a:rPr lang="es-ES" dirty="0" smtClean="0"/>
-              <a:t>CONEXIÓN ORIENTADA A OBJETOS</a:t>
-            </a:r>
-            <a:endParaRPr lang="es-ES" dirty="0"/>
-          </a:p>
-        </p:txBody>
-      </p:sp>
-    </p:spTree>
-    <p:extLst>
-      <p:ext uri="{BB962C8B-B14F-4D97-AF65-F5344CB8AC3E}">
-        <p14:creationId xmlns:p14="http://schemas.microsoft.com/office/powerpoint/2010/main" val="2319201142"/>
-      </p:ext>
-    </p:extLst>
-  </p:cSld>
-  <p:clrMapOvr>
-    <a:masterClrMapping/>
-  </p:clrMapOvr>
-</p:sld>
-</file>
-
 <file path=ppt/slides/slide19.xml><?xml version="1.0" encoding="utf-8"?>
 <p:sld xmlns:a="http://schemas.openxmlformats.org/drawingml/2006/main" xmlns:r="http://schemas.openxmlformats.org/officeDocument/2006/relationships" xmlns:p="http://schemas.openxmlformats.org/presentationml/2006/main">
   <p:cSld>
@@ -10993,7 +10281,7 @@
                 </a:spcAft>
               </a:pPr>
               <a:r>
-                <a:rPr lang="es-ES" dirty="0">
+                <a:rPr lang="es-ES" dirty="0" smtClean="0">
                   <a:latin typeface="Consolas" panose="020B0609020204030204" pitchFamily="49" charset="0"/>
                   <a:ea typeface="Calibri" panose="020F0502020204030204" pitchFamily="34" charset="0"/>
                   <a:cs typeface="Times New Roman" panose="02020603050405020304" pitchFamily="18" charset="0"/>
@@ -11241,7 +10529,7 @@
                   <a:ea typeface="Calibri" panose="020F0502020204030204" pitchFamily="34" charset="0"/>
                   <a:cs typeface="Times New Roman" panose="02020603050405020304" pitchFamily="18" charset="0"/>
                 </a:rPr>
-                <a:t> = </a:t>
+                <a:t> = new </a:t>
               </a:r>
               <a:r>
                 <a:rPr lang="es-ES" dirty="0" err="1">
@@ -11249,7 +10537,7 @@
                   <a:ea typeface="Calibri" panose="020F0502020204030204" pitchFamily="34" charset="0"/>
                   <a:cs typeface="Times New Roman" panose="02020603050405020304" pitchFamily="18" charset="0"/>
                 </a:rPr>
-                <a:t>mysqli_connect</a:t>
+                <a:t>mysqli</a:t>
               </a:r>
               <a:r>
                 <a:rPr lang="es-ES" dirty="0">
@@ -11377,7 +10665,7 @@
                   <a:ea typeface="Calibri" panose="020F0502020204030204" pitchFamily="34" charset="0"/>
                   <a:cs typeface="Times New Roman" panose="02020603050405020304" pitchFamily="18" charset="0"/>
                 </a:rPr>
-                <a:t> (!$</a:t>
+                <a:t> ($</a:t>
               </a:r>
               <a:r>
                 <a:rPr lang="es-ES" dirty="0" err="1">
@@ -11393,6 +10681,22 @@
                   <a:ea typeface="Calibri" panose="020F0502020204030204" pitchFamily="34" charset="0"/>
                   <a:cs typeface="Times New Roman" panose="02020603050405020304" pitchFamily="18" charset="0"/>
                 </a:rPr>
+                <a:t>-&gt;</a:t>
+              </a:r>
+              <a:r>
+                <a:rPr lang="es-ES" dirty="0" err="1">
+                  <a:latin typeface="Consolas" panose="020B0609020204030204" pitchFamily="49" charset="0"/>
+                  <a:ea typeface="Calibri" panose="020F0502020204030204" pitchFamily="34" charset="0"/>
+                  <a:cs typeface="Times New Roman" panose="02020603050405020304" pitchFamily="18" charset="0"/>
+                </a:rPr>
+                <a:t>connect_error</a:t>
+              </a:r>
+              <a:r>
+                <a:rPr lang="es-ES" dirty="0">
+                  <a:latin typeface="Consolas" panose="020B0609020204030204" pitchFamily="49" charset="0"/>
+                  <a:ea typeface="Calibri" panose="020F0502020204030204" pitchFamily="34" charset="0"/>
+                  <a:cs typeface="Times New Roman" panose="02020603050405020304" pitchFamily="18" charset="0"/>
+                </a:rPr>
                 <a:t>) {</a:t>
               </a:r>
             </a:p>
@@ -11427,7 +10731,7 @@
                   <a:ea typeface="Calibri" panose="020F0502020204030204" pitchFamily="34" charset="0"/>
                   <a:cs typeface="Times New Roman" panose="02020603050405020304" pitchFamily="18" charset="0"/>
                 </a:rPr>
-                <a:t> fallida: " . </a:t>
+                <a:t> fallida: " . $</a:t>
               </a:r>
               <a:r>
                 <a:rPr lang="es-ES" dirty="0" err="1">
@@ -11435,7 +10739,7 @@
                   <a:ea typeface="Calibri" panose="020F0502020204030204" pitchFamily="34" charset="0"/>
                   <a:cs typeface="Times New Roman" panose="02020603050405020304" pitchFamily="18" charset="0"/>
                 </a:rPr>
-                <a:t>mysqli_connect_error</a:t>
+                <a:t>conn</a:t>
               </a:r>
               <a:r>
                 <a:rPr lang="es-ES" dirty="0">
@@ -11443,24 +10747,40 @@
                   <a:ea typeface="Calibri" panose="020F0502020204030204" pitchFamily="34" charset="0"/>
                   <a:cs typeface="Times New Roman" panose="02020603050405020304" pitchFamily="18" charset="0"/>
                 </a:rPr>
-                <a:t>());</a:t>
-              </a:r>
-            </a:p>
-            <a:p>
-              <a:pPr>
-                <a:lnSpc>
-                  <a:spcPct val="115000"/>
-                </a:lnSpc>
-                <a:spcAft>
-                  <a:spcPts val="0"/>
-                </a:spcAft>
-              </a:pPr>
+                <a:t>-&gt;</a:t>
+              </a:r>
+              <a:r>
+                <a:rPr lang="es-ES" dirty="0" err="1">
+                  <a:latin typeface="Consolas" panose="020B0609020204030204" pitchFamily="49" charset="0"/>
+                  <a:ea typeface="Calibri" panose="020F0502020204030204" pitchFamily="34" charset="0"/>
+                  <a:cs typeface="Times New Roman" panose="02020603050405020304" pitchFamily="18" charset="0"/>
+                </a:rPr>
+                <a:t>connect_error</a:t>
+              </a:r>
               <a:r>
                 <a:rPr lang="es-ES" dirty="0">
                   <a:latin typeface="Consolas" panose="020B0609020204030204" pitchFamily="49" charset="0"/>
                   <a:ea typeface="Calibri" panose="020F0502020204030204" pitchFamily="34" charset="0"/>
                   <a:cs typeface="Times New Roman" panose="02020603050405020304" pitchFamily="18" charset="0"/>
                 </a:rPr>
+                <a:t>);</a:t>
+              </a:r>
+            </a:p>
+            <a:p>
+              <a:pPr>
+                <a:lnSpc>
+                  <a:spcPct val="115000"/>
+                </a:lnSpc>
+                <a:spcAft>
+                  <a:spcPts val="0"/>
+                </a:spcAft>
+              </a:pPr>
+              <a:r>
+                <a:rPr lang="es-ES" dirty="0">
+                  <a:latin typeface="Consolas" panose="020B0609020204030204" pitchFamily="49" charset="0"/>
+                  <a:ea typeface="Calibri" panose="020F0502020204030204" pitchFamily="34" charset="0"/>
+                  <a:cs typeface="Times New Roman" panose="02020603050405020304" pitchFamily="18" charset="0"/>
+                </a:rPr>
                 <a:t>}</a:t>
               </a:r>
             </a:p>
@@ -11516,12 +10836,20 @@
                 </a:spcAft>
               </a:pPr>
               <a:r>
+                <a:rPr lang="es-ES" dirty="0">
+                  <a:latin typeface="Consolas" panose="020B0609020204030204" pitchFamily="49" charset="0"/>
+                  <a:ea typeface="Calibri" panose="020F0502020204030204" pitchFamily="34" charset="0"/>
+                  <a:cs typeface="Times New Roman" panose="02020603050405020304" pitchFamily="18" charset="0"/>
+                </a:rPr>
+                <a:t>$</a:t>
+              </a:r>
+              <a:r>
                 <a:rPr lang="es-ES" dirty="0" err="1">
                   <a:latin typeface="Consolas" panose="020B0609020204030204" pitchFamily="49" charset="0"/>
                   <a:ea typeface="Calibri" panose="020F0502020204030204" pitchFamily="34" charset="0"/>
                   <a:cs typeface="Times New Roman" panose="02020603050405020304" pitchFamily="18" charset="0"/>
                 </a:rPr>
-                <a:t>mysqli_close</a:t>
+                <a:t>conn</a:t>
               </a:r>
               <a:r>
                 <a:rPr lang="es-ES" dirty="0">
@@ -11529,7 +10857,7 @@
                   <a:ea typeface="Calibri" panose="020F0502020204030204" pitchFamily="34" charset="0"/>
                   <a:cs typeface="Times New Roman" panose="02020603050405020304" pitchFamily="18" charset="0"/>
                 </a:rPr>
-                <a:t>($</a:t>
+                <a:t>-&gt;</a:t>
               </a:r>
               <a:r>
                 <a:rPr lang="es-ES" dirty="0" err="1">
@@ -11537,7 +10865,7 @@
                   <a:ea typeface="Calibri" panose="020F0502020204030204" pitchFamily="34" charset="0"/>
                   <a:cs typeface="Times New Roman" panose="02020603050405020304" pitchFamily="18" charset="0"/>
                 </a:rPr>
-                <a:t>conn</a:t>
+                <a:t>close</a:t>
               </a:r>
               <a:r>
                 <a:rPr lang="es-ES" dirty="0">
@@ -11545,7 +10873,7 @@
                   <a:ea typeface="Calibri" panose="020F0502020204030204" pitchFamily="34" charset="0"/>
                   <a:cs typeface="Times New Roman" panose="02020603050405020304" pitchFamily="18" charset="0"/>
                 </a:rPr>
-                <a:t>); </a:t>
+                <a:t>(); </a:t>
               </a:r>
             </a:p>
             <a:p>
@@ -11605,7 +10933,7 @@
             <a:p>
               <a:r>
                 <a:rPr lang="es-ES" dirty="0" smtClean="0"/>
-                <a:t>Código 1.2</a:t>
+                <a:t>Código 1.1</a:t>
               </a:r>
               <a:endParaRPr lang="es-ES" dirty="0"/>
             </a:p>
@@ -11634,7 +10962,7 @@
           <a:p>
             <a:r>
               <a:rPr lang="es-ES" dirty="0" smtClean="0"/>
-              <a:t>CONEXIÓN PROCEDURAL</a:t>
+              <a:t>CONEXIÓN ORIENTADA A OBJETOS</a:t>
             </a:r>
             <a:endParaRPr lang="es-ES" dirty="0"/>
           </a:p>
@@ -11643,7 +10971,7 @@
     </p:spTree>
     <p:extLst>
       <p:ext uri="{BB962C8B-B14F-4D97-AF65-F5344CB8AC3E}">
-        <p14:creationId xmlns:p14="http://schemas.microsoft.com/office/powerpoint/2010/main" val="721378443"/>
+        <p14:creationId xmlns:p14="http://schemas.microsoft.com/office/powerpoint/2010/main" val="2319201142"/>
       </p:ext>
     </p:extLst>
   </p:cSld>
@@ -11768,6 +11096,740 @@
         </p:nvGrpSpPr>
         <p:grpSpPr>
           <a:xfrm>
+            <a:off x="857021" y="1264988"/>
+            <a:ext cx="9788975" cy="5438536"/>
+            <a:chOff x="3763642" y="6072133"/>
+            <a:chExt cx="4664710" cy="2714142"/>
+          </a:xfrm>
+        </p:grpSpPr>
+        <p:sp>
+          <p:nvSpPr>
+            <p:cNvPr id="5" name="Cuadro de texto 2"/>
+            <p:cNvSpPr txBox="1">
+              <a:spLocks noChangeArrowheads="1"/>
+            </p:cNvSpPr>
+            <p:nvPr/>
+          </p:nvSpPr>
+          <p:spPr bwMode="auto">
+            <a:xfrm>
+              <a:off x="3763642" y="6072133"/>
+              <a:ext cx="4664710" cy="2430691"/>
+            </a:xfrm>
+            <a:prstGeom prst="rect">
+              <a:avLst/>
+            </a:prstGeom>
+            <a:solidFill>
+              <a:schemeClr val="bg1">
+                <a:lumMod val="95000"/>
+              </a:schemeClr>
+            </a:solidFill>
+            <a:ln w="9525">
+              <a:noFill/>
+              <a:miter lim="800000"/>
+              <a:headEnd/>
+              <a:tailEnd/>
+            </a:ln>
+          </p:spPr>
+          <p:txBody>
+            <a:bodyPr rot="0" vert="horz" wrap="square" lIns="91440" tIns="45720" rIns="91440" bIns="45720" anchor="t" anchorCtr="0">
+              <a:spAutoFit/>
+            </a:bodyPr>
+            <a:lstStyle/>
+            <a:p>
+              <a:pPr>
+                <a:lnSpc>
+                  <a:spcPct val="115000"/>
+                </a:lnSpc>
+                <a:spcAft>
+                  <a:spcPts val="0"/>
+                </a:spcAft>
+              </a:pPr>
+              <a:r>
+                <a:rPr lang="es-ES" dirty="0">
+                  <a:latin typeface="Consolas" panose="020B0609020204030204" pitchFamily="49" charset="0"/>
+                  <a:ea typeface="Calibri" panose="020F0502020204030204" pitchFamily="34" charset="0"/>
+                  <a:cs typeface="Times New Roman" panose="02020603050405020304" pitchFamily="18" charset="0"/>
+                </a:rPr>
+                <a:t>&lt;?</a:t>
+              </a:r>
+              <a:r>
+                <a:rPr lang="es-ES" dirty="0" err="1">
+                  <a:latin typeface="Consolas" panose="020B0609020204030204" pitchFamily="49" charset="0"/>
+                  <a:ea typeface="Calibri" panose="020F0502020204030204" pitchFamily="34" charset="0"/>
+                  <a:cs typeface="Times New Roman" panose="02020603050405020304" pitchFamily="18" charset="0"/>
+                </a:rPr>
+                <a:t>php</a:t>
+              </a:r>
+              <a:endParaRPr lang="es-ES" dirty="0">
+                <a:latin typeface="Consolas" panose="020B0609020204030204" pitchFamily="49" charset="0"/>
+                <a:ea typeface="Calibri" panose="020F0502020204030204" pitchFamily="34" charset="0"/>
+                <a:cs typeface="Times New Roman" panose="02020603050405020304" pitchFamily="18" charset="0"/>
+              </a:endParaRPr>
+            </a:p>
+            <a:p>
+              <a:pPr>
+                <a:lnSpc>
+                  <a:spcPct val="115000"/>
+                </a:lnSpc>
+                <a:spcAft>
+                  <a:spcPts val="0"/>
+                </a:spcAft>
+              </a:pPr>
+              <a:r>
+                <a:rPr lang="es-ES" dirty="0">
+                  <a:latin typeface="Consolas" panose="020B0609020204030204" pitchFamily="49" charset="0"/>
+                  <a:ea typeface="Calibri" panose="020F0502020204030204" pitchFamily="34" charset="0"/>
+                  <a:cs typeface="Times New Roman" panose="02020603050405020304" pitchFamily="18" charset="0"/>
+                </a:rPr>
+                <a:t>$</a:t>
+              </a:r>
+              <a:r>
+                <a:rPr lang="es-ES" dirty="0" err="1">
+                  <a:latin typeface="Consolas" panose="020B0609020204030204" pitchFamily="49" charset="0"/>
+                  <a:ea typeface="Calibri" panose="020F0502020204030204" pitchFamily="34" charset="0"/>
+                  <a:cs typeface="Times New Roman" panose="02020603050405020304" pitchFamily="18" charset="0"/>
+                </a:rPr>
+                <a:t>servername</a:t>
+              </a:r>
+              <a:r>
+                <a:rPr lang="es-ES" dirty="0">
+                  <a:latin typeface="Consolas" panose="020B0609020204030204" pitchFamily="49" charset="0"/>
+                  <a:ea typeface="Calibri" panose="020F0502020204030204" pitchFamily="34" charset="0"/>
+                  <a:cs typeface="Times New Roman" panose="02020603050405020304" pitchFamily="18" charset="0"/>
+                </a:rPr>
+                <a:t> = "</a:t>
+              </a:r>
+              <a:r>
+                <a:rPr lang="es-ES" dirty="0" err="1">
+                  <a:latin typeface="Consolas" panose="020B0609020204030204" pitchFamily="49" charset="0"/>
+                  <a:ea typeface="Calibri" panose="020F0502020204030204" pitchFamily="34" charset="0"/>
+                  <a:cs typeface="Times New Roman" panose="02020603050405020304" pitchFamily="18" charset="0"/>
+                </a:rPr>
+                <a:t>localhost</a:t>
+              </a:r>
+              <a:r>
+                <a:rPr lang="es-ES" dirty="0">
+                  <a:latin typeface="Consolas" panose="020B0609020204030204" pitchFamily="49" charset="0"/>
+                  <a:ea typeface="Calibri" panose="020F0502020204030204" pitchFamily="34" charset="0"/>
+                  <a:cs typeface="Times New Roman" panose="02020603050405020304" pitchFamily="18" charset="0"/>
+                </a:rPr>
+                <a:t>";</a:t>
+              </a:r>
+            </a:p>
+            <a:p>
+              <a:pPr>
+                <a:lnSpc>
+                  <a:spcPct val="115000"/>
+                </a:lnSpc>
+                <a:spcAft>
+                  <a:spcPts val="0"/>
+                </a:spcAft>
+              </a:pPr>
+              <a:r>
+                <a:rPr lang="es-ES" dirty="0">
+                  <a:latin typeface="Consolas" panose="020B0609020204030204" pitchFamily="49" charset="0"/>
+                  <a:ea typeface="Calibri" panose="020F0502020204030204" pitchFamily="34" charset="0"/>
+                  <a:cs typeface="Times New Roman" panose="02020603050405020304" pitchFamily="18" charset="0"/>
+                </a:rPr>
+                <a:t>$</a:t>
+              </a:r>
+              <a:r>
+                <a:rPr lang="es-ES" dirty="0" err="1">
+                  <a:latin typeface="Consolas" panose="020B0609020204030204" pitchFamily="49" charset="0"/>
+                  <a:ea typeface="Calibri" panose="020F0502020204030204" pitchFamily="34" charset="0"/>
+                  <a:cs typeface="Times New Roman" panose="02020603050405020304" pitchFamily="18" charset="0"/>
+                </a:rPr>
+                <a:t>username</a:t>
+              </a:r>
+              <a:r>
+                <a:rPr lang="es-ES" dirty="0">
+                  <a:latin typeface="Consolas" panose="020B0609020204030204" pitchFamily="49" charset="0"/>
+                  <a:ea typeface="Calibri" panose="020F0502020204030204" pitchFamily="34" charset="0"/>
+                  <a:cs typeface="Times New Roman" panose="02020603050405020304" pitchFamily="18" charset="0"/>
+                </a:rPr>
+                <a:t> = "</a:t>
+              </a:r>
+              <a:r>
+                <a:rPr lang="es-ES" dirty="0" err="1">
+                  <a:latin typeface="Consolas" panose="020B0609020204030204" pitchFamily="49" charset="0"/>
+                  <a:ea typeface="Calibri" panose="020F0502020204030204" pitchFamily="34" charset="0"/>
+                  <a:cs typeface="Times New Roman" panose="02020603050405020304" pitchFamily="18" charset="0"/>
+                </a:rPr>
+                <a:t>username</a:t>
+              </a:r>
+              <a:r>
+                <a:rPr lang="es-ES" dirty="0">
+                  <a:latin typeface="Consolas" panose="020B0609020204030204" pitchFamily="49" charset="0"/>
+                  <a:ea typeface="Calibri" panose="020F0502020204030204" pitchFamily="34" charset="0"/>
+                  <a:cs typeface="Times New Roman" panose="02020603050405020304" pitchFamily="18" charset="0"/>
+                </a:rPr>
+                <a:t>";</a:t>
+              </a:r>
+            </a:p>
+            <a:p>
+              <a:pPr>
+                <a:lnSpc>
+                  <a:spcPct val="115000"/>
+                </a:lnSpc>
+                <a:spcAft>
+                  <a:spcPts val="0"/>
+                </a:spcAft>
+              </a:pPr>
+              <a:r>
+                <a:rPr lang="es-ES" dirty="0">
+                  <a:latin typeface="Consolas" panose="020B0609020204030204" pitchFamily="49" charset="0"/>
+                  <a:ea typeface="Calibri" panose="020F0502020204030204" pitchFamily="34" charset="0"/>
+                  <a:cs typeface="Times New Roman" panose="02020603050405020304" pitchFamily="18" charset="0"/>
+                </a:rPr>
+                <a:t>$</a:t>
+              </a:r>
+              <a:r>
+                <a:rPr lang="es-ES" dirty="0" err="1">
+                  <a:latin typeface="Consolas" panose="020B0609020204030204" pitchFamily="49" charset="0"/>
+                  <a:ea typeface="Calibri" panose="020F0502020204030204" pitchFamily="34" charset="0"/>
+                  <a:cs typeface="Times New Roman" panose="02020603050405020304" pitchFamily="18" charset="0"/>
+                </a:rPr>
+                <a:t>password</a:t>
+              </a:r>
+              <a:r>
+                <a:rPr lang="es-ES" dirty="0">
+                  <a:latin typeface="Consolas" panose="020B0609020204030204" pitchFamily="49" charset="0"/>
+                  <a:ea typeface="Calibri" panose="020F0502020204030204" pitchFamily="34" charset="0"/>
+                  <a:cs typeface="Times New Roman" panose="02020603050405020304" pitchFamily="18" charset="0"/>
+                </a:rPr>
+                <a:t> = "</a:t>
+              </a:r>
+              <a:r>
+                <a:rPr lang="es-ES" dirty="0" err="1">
+                  <a:latin typeface="Consolas" panose="020B0609020204030204" pitchFamily="49" charset="0"/>
+                  <a:ea typeface="Calibri" panose="020F0502020204030204" pitchFamily="34" charset="0"/>
+                  <a:cs typeface="Times New Roman" panose="02020603050405020304" pitchFamily="18" charset="0"/>
+                </a:rPr>
+                <a:t>password</a:t>
+              </a:r>
+              <a:r>
+                <a:rPr lang="es-ES" dirty="0">
+                  <a:latin typeface="Consolas" panose="020B0609020204030204" pitchFamily="49" charset="0"/>
+                  <a:ea typeface="Calibri" panose="020F0502020204030204" pitchFamily="34" charset="0"/>
+                  <a:cs typeface="Times New Roman" panose="02020603050405020304" pitchFamily="18" charset="0"/>
+                </a:rPr>
+                <a:t>";</a:t>
+              </a:r>
+            </a:p>
+            <a:p>
+              <a:pPr>
+                <a:lnSpc>
+                  <a:spcPct val="115000"/>
+                </a:lnSpc>
+                <a:spcAft>
+                  <a:spcPts val="0"/>
+                </a:spcAft>
+              </a:pPr>
+              <a:endParaRPr lang="es-ES" dirty="0">
+                <a:latin typeface="Consolas" panose="020B0609020204030204" pitchFamily="49" charset="0"/>
+                <a:ea typeface="Calibri" panose="020F0502020204030204" pitchFamily="34" charset="0"/>
+                <a:cs typeface="Times New Roman" panose="02020603050405020304" pitchFamily="18" charset="0"/>
+              </a:endParaRPr>
+            </a:p>
+            <a:p>
+              <a:pPr>
+                <a:lnSpc>
+                  <a:spcPct val="115000"/>
+                </a:lnSpc>
+                <a:spcAft>
+                  <a:spcPts val="0"/>
+                </a:spcAft>
+              </a:pPr>
+              <a:r>
+                <a:rPr lang="es-ES" dirty="0">
+                  <a:latin typeface="Consolas" panose="020B0609020204030204" pitchFamily="49" charset="0"/>
+                  <a:ea typeface="Calibri" panose="020F0502020204030204" pitchFamily="34" charset="0"/>
+                  <a:cs typeface="Times New Roman" panose="02020603050405020304" pitchFamily="18" charset="0"/>
+                </a:rPr>
+                <a:t>// Crear la </a:t>
+              </a:r>
+              <a:r>
+                <a:rPr lang="es-ES" dirty="0" err="1">
+                  <a:latin typeface="Consolas" panose="020B0609020204030204" pitchFamily="49" charset="0"/>
+                  <a:ea typeface="Calibri" panose="020F0502020204030204" pitchFamily="34" charset="0"/>
+                  <a:cs typeface="Times New Roman" panose="02020603050405020304" pitchFamily="18" charset="0"/>
+                </a:rPr>
+                <a:t>conexion</a:t>
+              </a:r>
+              <a:endParaRPr lang="es-ES" dirty="0">
+                <a:latin typeface="Consolas" panose="020B0609020204030204" pitchFamily="49" charset="0"/>
+                <a:ea typeface="Calibri" panose="020F0502020204030204" pitchFamily="34" charset="0"/>
+                <a:cs typeface="Times New Roman" panose="02020603050405020304" pitchFamily="18" charset="0"/>
+              </a:endParaRPr>
+            </a:p>
+            <a:p>
+              <a:pPr>
+                <a:lnSpc>
+                  <a:spcPct val="115000"/>
+                </a:lnSpc>
+                <a:spcAft>
+                  <a:spcPts val="0"/>
+                </a:spcAft>
+              </a:pPr>
+              <a:r>
+                <a:rPr lang="es-ES" dirty="0">
+                  <a:latin typeface="Consolas" panose="020B0609020204030204" pitchFamily="49" charset="0"/>
+                  <a:ea typeface="Calibri" panose="020F0502020204030204" pitchFamily="34" charset="0"/>
+                  <a:cs typeface="Times New Roman" panose="02020603050405020304" pitchFamily="18" charset="0"/>
+                </a:rPr>
+                <a:t>$</a:t>
+              </a:r>
+              <a:r>
+                <a:rPr lang="es-ES" dirty="0" err="1">
+                  <a:latin typeface="Consolas" panose="020B0609020204030204" pitchFamily="49" charset="0"/>
+                  <a:ea typeface="Calibri" panose="020F0502020204030204" pitchFamily="34" charset="0"/>
+                  <a:cs typeface="Times New Roman" panose="02020603050405020304" pitchFamily="18" charset="0"/>
+                </a:rPr>
+                <a:t>conn</a:t>
+              </a:r>
+              <a:r>
+                <a:rPr lang="es-ES" dirty="0">
+                  <a:latin typeface="Consolas" panose="020B0609020204030204" pitchFamily="49" charset="0"/>
+                  <a:ea typeface="Calibri" panose="020F0502020204030204" pitchFamily="34" charset="0"/>
+                  <a:cs typeface="Times New Roman" panose="02020603050405020304" pitchFamily="18" charset="0"/>
+                </a:rPr>
+                <a:t> = </a:t>
+              </a:r>
+              <a:r>
+                <a:rPr lang="es-ES" dirty="0" err="1">
+                  <a:latin typeface="Consolas" panose="020B0609020204030204" pitchFamily="49" charset="0"/>
+                  <a:ea typeface="Calibri" panose="020F0502020204030204" pitchFamily="34" charset="0"/>
+                  <a:cs typeface="Times New Roman" panose="02020603050405020304" pitchFamily="18" charset="0"/>
+                </a:rPr>
+                <a:t>mysqli_connect</a:t>
+              </a:r>
+              <a:r>
+                <a:rPr lang="es-ES" dirty="0">
+                  <a:latin typeface="Consolas" panose="020B0609020204030204" pitchFamily="49" charset="0"/>
+                  <a:ea typeface="Calibri" panose="020F0502020204030204" pitchFamily="34" charset="0"/>
+                  <a:cs typeface="Times New Roman" panose="02020603050405020304" pitchFamily="18" charset="0"/>
+                </a:rPr>
+                <a:t>($</a:t>
+              </a:r>
+              <a:r>
+                <a:rPr lang="es-ES" dirty="0" err="1">
+                  <a:latin typeface="Consolas" panose="020B0609020204030204" pitchFamily="49" charset="0"/>
+                  <a:ea typeface="Calibri" panose="020F0502020204030204" pitchFamily="34" charset="0"/>
+                  <a:cs typeface="Times New Roman" panose="02020603050405020304" pitchFamily="18" charset="0"/>
+                </a:rPr>
+                <a:t>servername</a:t>
+              </a:r>
+              <a:r>
+                <a:rPr lang="es-ES" dirty="0">
+                  <a:latin typeface="Consolas" panose="020B0609020204030204" pitchFamily="49" charset="0"/>
+                  <a:ea typeface="Calibri" panose="020F0502020204030204" pitchFamily="34" charset="0"/>
+                  <a:cs typeface="Times New Roman" panose="02020603050405020304" pitchFamily="18" charset="0"/>
+                </a:rPr>
+                <a:t>, $</a:t>
+              </a:r>
+              <a:r>
+                <a:rPr lang="es-ES" dirty="0" err="1">
+                  <a:latin typeface="Consolas" panose="020B0609020204030204" pitchFamily="49" charset="0"/>
+                  <a:ea typeface="Calibri" panose="020F0502020204030204" pitchFamily="34" charset="0"/>
+                  <a:cs typeface="Times New Roman" panose="02020603050405020304" pitchFamily="18" charset="0"/>
+                </a:rPr>
+                <a:t>username</a:t>
+              </a:r>
+              <a:r>
+                <a:rPr lang="es-ES" dirty="0">
+                  <a:latin typeface="Consolas" panose="020B0609020204030204" pitchFamily="49" charset="0"/>
+                  <a:ea typeface="Calibri" panose="020F0502020204030204" pitchFamily="34" charset="0"/>
+                  <a:cs typeface="Times New Roman" panose="02020603050405020304" pitchFamily="18" charset="0"/>
+                </a:rPr>
+                <a:t>, $</a:t>
+              </a:r>
+              <a:r>
+                <a:rPr lang="es-ES" dirty="0" err="1">
+                  <a:latin typeface="Consolas" panose="020B0609020204030204" pitchFamily="49" charset="0"/>
+                  <a:ea typeface="Calibri" panose="020F0502020204030204" pitchFamily="34" charset="0"/>
+                  <a:cs typeface="Times New Roman" panose="02020603050405020304" pitchFamily="18" charset="0"/>
+                </a:rPr>
+                <a:t>password</a:t>
+              </a:r>
+              <a:r>
+                <a:rPr lang="es-ES" dirty="0">
+                  <a:latin typeface="Consolas" panose="020B0609020204030204" pitchFamily="49" charset="0"/>
+                  <a:ea typeface="Calibri" panose="020F0502020204030204" pitchFamily="34" charset="0"/>
+                  <a:cs typeface="Times New Roman" panose="02020603050405020304" pitchFamily="18" charset="0"/>
+                </a:rPr>
+                <a:t>);</a:t>
+              </a:r>
+            </a:p>
+            <a:p>
+              <a:pPr>
+                <a:lnSpc>
+                  <a:spcPct val="115000"/>
+                </a:lnSpc>
+                <a:spcAft>
+                  <a:spcPts val="0"/>
+                </a:spcAft>
+              </a:pPr>
+              <a:endParaRPr lang="es-ES" dirty="0">
+                <a:latin typeface="Consolas" panose="020B0609020204030204" pitchFamily="49" charset="0"/>
+                <a:ea typeface="Calibri" panose="020F0502020204030204" pitchFamily="34" charset="0"/>
+                <a:cs typeface="Times New Roman" panose="02020603050405020304" pitchFamily="18" charset="0"/>
+              </a:endParaRPr>
+            </a:p>
+            <a:p>
+              <a:pPr>
+                <a:lnSpc>
+                  <a:spcPct val="115000"/>
+                </a:lnSpc>
+                <a:spcAft>
+                  <a:spcPts val="0"/>
+                </a:spcAft>
+              </a:pPr>
+              <a:r>
+                <a:rPr lang="es-ES" dirty="0">
+                  <a:latin typeface="Consolas" panose="020B0609020204030204" pitchFamily="49" charset="0"/>
+                  <a:ea typeface="Calibri" panose="020F0502020204030204" pitchFamily="34" charset="0"/>
+                  <a:cs typeface="Times New Roman" panose="02020603050405020304" pitchFamily="18" charset="0"/>
+                </a:rPr>
+                <a:t>// Validar la </a:t>
+              </a:r>
+              <a:r>
+                <a:rPr lang="es-ES" dirty="0" err="1">
+                  <a:latin typeface="Consolas" panose="020B0609020204030204" pitchFamily="49" charset="0"/>
+                  <a:ea typeface="Calibri" panose="020F0502020204030204" pitchFamily="34" charset="0"/>
+                  <a:cs typeface="Times New Roman" panose="02020603050405020304" pitchFamily="18" charset="0"/>
+                </a:rPr>
+                <a:t>conexion</a:t>
+              </a:r>
+              <a:endParaRPr lang="es-ES" dirty="0">
+                <a:latin typeface="Consolas" panose="020B0609020204030204" pitchFamily="49" charset="0"/>
+                <a:ea typeface="Calibri" panose="020F0502020204030204" pitchFamily="34" charset="0"/>
+                <a:cs typeface="Times New Roman" panose="02020603050405020304" pitchFamily="18" charset="0"/>
+              </a:endParaRPr>
+            </a:p>
+            <a:p>
+              <a:pPr>
+                <a:lnSpc>
+                  <a:spcPct val="115000"/>
+                </a:lnSpc>
+                <a:spcAft>
+                  <a:spcPts val="0"/>
+                </a:spcAft>
+              </a:pPr>
+              <a:r>
+                <a:rPr lang="es-ES" dirty="0" err="1">
+                  <a:latin typeface="Consolas" panose="020B0609020204030204" pitchFamily="49" charset="0"/>
+                  <a:ea typeface="Calibri" panose="020F0502020204030204" pitchFamily="34" charset="0"/>
+                  <a:cs typeface="Times New Roman" panose="02020603050405020304" pitchFamily="18" charset="0"/>
+                </a:rPr>
+                <a:t>if</a:t>
+              </a:r>
+              <a:r>
+                <a:rPr lang="es-ES" dirty="0">
+                  <a:latin typeface="Consolas" panose="020B0609020204030204" pitchFamily="49" charset="0"/>
+                  <a:ea typeface="Calibri" panose="020F0502020204030204" pitchFamily="34" charset="0"/>
+                  <a:cs typeface="Times New Roman" panose="02020603050405020304" pitchFamily="18" charset="0"/>
+                </a:rPr>
+                <a:t> (!$</a:t>
+              </a:r>
+              <a:r>
+                <a:rPr lang="es-ES" dirty="0" err="1">
+                  <a:latin typeface="Consolas" panose="020B0609020204030204" pitchFamily="49" charset="0"/>
+                  <a:ea typeface="Calibri" panose="020F0502020204030204" pitchFamily="34" charset="0"/>
+                  <a:cs typeface="Times New Roman" panose="02020603050405020304" pitchFamily="18" charset="0"/>
+                </a:rPr>
+                <a:t>conn</a:t>
+              </a:r>
+              <a:r>
+                <a:rPr lang="es-ES" dirty="0">
+                  <a:latin typeface="Consolas" panose="020B0609020204030204" pitchFamily="49" charset="0"/>
+                  <a:ea typeface="Calibri" panose="020F0502020204030204" pitchFamily="34" charset="0"/>
+                  <a:cs typeface="Times New Roman" panose="02020603050405020304" pitchFamily="18" charset="0"/>
+                </a:rPr>
+                <a:t>) {</a:t>
+              </a:r>
+            </a:p>
+            <a:p>
+              <a:pPr>
+                <a:lnSpc>
+                  <a:spcPct val="115000"/>
+                </a:lnSpc>
+                <a:spcAft>
+                  <a:spcPts val="0"/>
+                </a:spcAft>
+              </a:pPr>
+              <a:r>
+                <a:rPr lang="es-ES" dirty="0">
+                  <a:latin typeface="Consolas" panose="020B0609020204030204" pitchFamily="49" charset="0"/>
+                  <a:ea typeface="Calibri" panose="020F0502020204030204" pitchFamily="34" charset="0"/>
+                  <a:cs typeface="Times New Roman" panose="02020603050405020304" pitchFamily="18" charset="0"/>
+                </a:rPr>
+                <a:t>    die("</a:t>
+              </a:r>
+              <a:r>
+                <a:rPr lang="es-ES" dirty="0" err="1">
+                  <a:latin typeface="Consolas" panose="020B0609020204030204" pitchFamily="49" charset="0"/>
+                  <a:ea typeface="Calibri" panose="020F0502020204030204" pitchFamily="34" charset="0"/>
+                  <a:cs typeface="Times New Roman" panose="02020603050405020304" pitchFamily="18" charset="0"/>
+                </a:rPr>
+                <a:t>Conexion</a:t>
+              </a:r>
+              <a:r>
+                <a:rPr lang="es-ES" dirty="0">
+                  <a:latin typeface="Consolas" panose="020B0609020204030204" pitchFamily="49" charset="0"/>
+                  <a:ea typeface="Calibri" panose="020F0502020204030204" pitchFamily="34" charset="0"/>
+                  <a:cs typeface="Times New Roman" panose="02020603050405020304" pitchFamily="18" charset="0"/>
+                </a:rPr>
+                <a:t> fallida: " . </a:t>
+              </a:r>
+              <a:r>
+                <a:rPr lang="es-ES" dirty="0" err="1">
+                  <a:latin typeface="Consolas" panose="020B0609020204030204" pitchFamily="49" charset="0"/>
+                  <a:ea typeface="Calibri" panose="020F0502020204030204" pitchFamily="34" charset="0"/>
+                  <a:cs typeface="Times New Roman" panose="02020603050405020304" pitchFamily="18" charset="0"/>
+                </a:rPr>
+                <a:t>mysqli_connect_error</a:t>
+              </a:r>
+              <a:r>
+                <a:rPr lang="es-ES" dirty="0">
+                  <a:latin typeface="Consolas" panose="020B0609020204030204" pitchFamily="49" charset="0"/>
+                  <a:ea typeface="Calibri" panose="020F0502020204030204" pitchFamily="34" charset="0"/>
+                  <a:cs typeface="Times New Roman" panose="02020603050405020304" pitchFamily="18" charset="0"/>
+                </a:rPr>
+                <a:t>());</a:t>
+              </a:r>
+            </a:p>
+            <a:p>
+              <a:pPr>
+                <a:lnSpc>
+                  <a:spcPct val="115000"/>
+                </a:lnSpc>
+                <a:spcAft>
+                  <a:spcPts val="0"/>
+                </a:spcAft>
+              </a:pPr>
+              <a:r>
+                <a:rPr lang="es-ES" dirty="0">
+                  <a:latin typeface="Consolas" panose="020B0609020204030204" pitchFamily="49" charset="0"/>
+                  <a:ea typeface="Calibri" panose="020F0502020204030204" pitchFamily="34" charset="0"/>
+                  <a:cs typeface="Times New Roman" panose="02020603050405020304" pitchFamily="18" charset="0"/>
+                </a:rPr>
+                <a:t>}</a:t>
+              </a:r>
+            </a:p>
+            <a:p>
+              <a:pPr>
+                <a:lnSpc>
+                  <a:spcPct val="115000"/>
+                </a:lnSpc>
+                <a:spcAft>
+                  <a:spcPts val="0"/>
+                </a:spcAft>
+              </a:pPr>
+              <a:r>
+                <a:rPr lang="es-ES" dirty="0">
+                  <a:latin typeface="Consolas" panose="020B0609020204030204" pitchFamily="49" charset="0"/>
+                  <a:ea typeface="Calibri" panose="020F0502020204030204" pitchFamily="34" charset="0"/>
+                  <a:cs typeface="Times New Roman" panose="02020603050405020304" pitchFamily="18" charset="0"/>
+                </a:rPr>
+                <a:t>echo "</a:t>
+              </a:r>
+              <a:r>
+                <a:rPr lang="es-ES" dirty="0" err="1">
+                  <a:latin typeface="Consolas" panose="020B0609020204030204" pitchFamily="49" charset="0"/>
+                  <a:ea typeface="Calibri" panose="020F0502020204030204" pitchFamily="34" charset="0"/>
+                  <a:cs typeface="Times New Roman" panose="02020603050405020304" pitchFamily="18" charset="0"/>
+                </a:rPr>
+                <a:t>Conexion</a:t>
+              </a:r>
+              <a:r>
+                <a:rPr lang="es-ES" dirty="0">
+                  <a:latin typeface="Consolas" panose="020B0609020204030204" pitchFamily="49" charset="0"/>
+                  <a:ea typeface="Calibri" panose="020F0502020204030204" pitchFamily="34" charset="0"/>
+                  <a:cs typeface="Times New Roman" panose="02020603050405020304" pitchFamily="18" charset="0"/>
+                </a:rPr>
+                <a:t> exitosa</a:t>
+              </a:r>
+              <a:r>
+                <a:rPr lang="es-ES" dirty="0" smtClean="0">
+                  <a:latin typeface="Consolas" panose="020B0609020204030204" pitchFamily="49" charset="0"/>
+                  <a:ea typeface="Calibri" panose="020F0502020204030204" pitchFamily="34" charset="0"/>
+                  <a:cs typeface="Times New Roman" panose="02020603050405020304" pitchFamily="18" charset="0"/>
+                </a:rPr>
+                <a:t>";</a:t>
+              </a:r>
+            </a:p>
+            <a:p>
+              <a:pPr>
+                <a:lnSpc>
+                  <a:spcPct val="115000"/>
+                </a:lnSpc>
+                <a:spcAft>
+                  <a:spcPts val="0"/>
+                </a:spcAft>
+              </a:pPr>
+              <a:r>
+                <a:rPr lang="es-ES" dirty="0" err="1">
+                  <a:latin typeface="Consolas" panose="020B0609020204030204" pitchFamily="49" charset="0"/>
+                  <a:ea typeface="Calibri" panose="020F0502020204030204" pitchFamily="34" charset="0"/>
+                  <a:cs typeface="Times New Roman" panose="02020603050405020304" pitchFamily="18" charset="0"/>
+                </a:rPr>
+                <a:t>mysqli_close</a:t>
+              </a:r>
+              <a:r>
+                <a:rPr lang="es-ES" dirty="0">
+                  <a:latin typeface="Consolas" panose="020B0609020204030204" pitchFamily="49" charset="0"/>
+                  <a:ea typeface="Calibri" panose="020F0502020204030204" pitchFamily="34" charset="0"/>
+                  <a:cs typeface="Times New Roman" panose="02020603050405020304" pitchFamily="18" charset="0"/>
+                </a:rPr>
+                <a:t>($</a:t>
+              </a:r>
+              <a:r>
+                <a:rPr lang="es-ES" dirty="0" err="1">
+                  <a:latin typeface="Consolas" panose="020B0609020204030204" pitchFamily="49" charset="0"/>
+                  <a:ea typeface="Calibri" panose="020F0502020204030204" pitchFamily="34" charset="0"/>
+                  <a:cs typeface="Times New Roman" panose="02020603050405020304" pitchFamily="18" charset="0"/>
+                </a:rPr>
+                <a:t>conn</a:t>
+              </a:r>
+              <a:r>
+                <a:rPr lang="es-ES" dirty="0">
+                  <a:latin typeface="Consolas" panose="020B0609020204030204" pitchFamily="49" charset="0"/>
+                  <a:ea typeface="Calibri" panose="020F0502020204030204" pitchFamily="34" charset="0"/>
+                  <a:cs typeface="Times New Roman" panose="02020603050405020304" pitchFamily="18" charset="0"/>
+                </a:rPr>
+                <a:t>); </a:t>
+              </a:r>
+            </a:p>
+            <a:p>
+              <a:pPr>
+                <a:lnSpc>
+                  <a:spcPct val="115000"/>
+                </a:lnSpc>
+                <a:spcAft>
+                  <a:spcPts val="0"/>
+                </a:spcAft>
+              </a:pPr>
+              <a:r>
+                <a:rPr lang="es-ES" dirty="0">
+                  <a:latin typeface="Consolas" panose="020B0609020204030204" pitchFamily="49" charset="0"/>
+                  <a:ea typeface="Calibri" panose="020F0502020204030204" pitchFamily="34" charset="0"/>
+                  <a:cs typeface="Times New Roman" panose="02020603050405020304" pitchFamily="18" charset="0"/>
+                </a:rPr>
+                <a:t>?&gt; </a:t>
+              </a:r>
+            </a:p>
+          </p:txBody>
+        </p:sp>
+        <p:sp>
+          <p:nvSpPr>
+            <p:cNvPr id="6" name="Rectángulo 5"/>
+            <p:cNvSpPr/>
+            <p:nvPr/>
+          </p:nvSpPr>
+          <p:spPr>
+            <a:xfrm>
+              <a:off x="3763642" y="8502824"/>
+              <a:ext cx="4664710" cy="283451"/>
+            </a:xfrm>
+            <a:prstGeom prst="rect">
+              <a:avLst/>
+            </a:prstGeom>
+          </p:spPr>
+          <p:style>
+            <a:lnRef idx="2">
+              <a:schemeClr val="accent2">
+                <a:shade val="50000"/>
+              </a:schemeClr>
+            </a:lnRef>
+            <a:fillRef idx="1">
+              <a:schemeClr val="accent2"/>
+            </a:fillRef>
+            <a:effectRef idx="0">
+              <a:schemeClr val="accent2"/>
+            </a:effectRef>
+            <a:fontRef idx="minor">
+              <a:schemeClr val="lt1"/>
+            </a:fontRef>
+          </p:style>
+          <p:txBody>
+            <a:bodyPr rtlCol="0" anchor="ctr"/>
+            <a:lstStyle/>
+            <a:p>
+              <a:r>
+                <a:rPr lang="es-ES" dirty="0" smtClean="0"/>
+                <a:t>Código 1.2</a:t>
+              </a:r>
+              <a:endParaRPr lang="es-ES" dirty="0"/>
+            </a:p>
+          </p:txBody>
+        </p:sp>
+      </p:grpSp>
+      <p:sp>
+        <p:nvSpPr>
+          <p:cNvPr id="7" name="Título 6"/>
+          <p:cNvSpPr>
+            <a:spLocks noGrp="1"/>
+          </p:cNvSpPr>
+          <p:nvPr>
+            <p:ph type="title"/>
+          </p:nvPr>
+        </p:nvSpPr>
+        <p:spPr>
+          <a:xfrm>
+            <a:off x="685795" y="152400"/>
+            <a:ext cx="10131425" cy="1112587"/>
+          </a:xfrm>
+        </p:spPr>
+        <p:txBody>
+          <a:bodyPr/>
+          <a:lstStyle/>
+          <a:p>
+            <a:r>
+              <a:rPr lang="es-ES" dirty="0" smtClean="0"/>
+              <a:t>CONEXIÓN PROCEDURAL</a:t>
+            </a:r>
+            <a:endParaRPr lang="es-ES" dirty="0"/>
+          </a:p>
+        </p:txBody>
+      </p:sp>
+    </p:spTree>
+    <p:extLst>
+      <p:ext uri="{BB962C8B-B14F-4D97-AF65-F5344CB8AC3E}">
+        <p14:creationId xmlns:p14="http://schemas.microsoft.com/office/powerpoint/2010/main" val="721378443"/>
+      </p:ext>
+    </p:extLst>
+  </p:cSld>
+  <p:clrMapOvr>
+    <a:masterClrMapping/>
+  </p:clrMapOvr>
+</p:sld>
+</file>
+
+<file path=ppt/slides/slide21.xml><?xml version="1.0" encoding="utf-8"?>
+<p:sld xmlns:a="http://schemas.openxmlformats.org/drawingml/2006/main" xmlns:r="http://schemas.openxmlformats.org/officeDocument/2006/relationships" xmlns:p="http://schemas.openxmlformats.org/presentationml/2006/main">
+  <p:cSld>
+    <p:spTree>
+      <p:nvGrpSpPr>
+        <p:cNvPr id="1" name=""/>
+        <p:cNvGrpSpPr/>
+        <p:nvPr/>
+      </p:nvGrpSpPr>
+      <p:grpSpPr>
+        <a:xfrm>
+          <a:off x="0" y="0"/>
+          <a:ext cx="0" cy="0"/>
+          <a:chOff x="0" y="0"/>
+          <a:chExt cx="0" cy="0"/>
+        </a:xfrm>
+      </p:grpSpPr>
+      <p:grpSp>
+        <p:nvGrpSpPr>
+          <p:cNvPr id="4" name="Grupo 3"/>
+          <p:cNvGrpSpPr/>
+          <p:nvPr/>
+        </p:nvGrpSpPr>
+        <p:grpSpPr>
+          <a:xfrm>
             <a:off x="857019" y="1135591"/>
             <a:ext cx="9788975" cy="5473930"/>
             <a:chOff x="3763642" y="6072133"/>
@@ -12524,7 +12586,7 @@
 </p:sld>
 </file>
 
-<file path=ppt/slides/slide21.xml><?xml version="1.0" encoding="utf-8"?>
+<file path=ppt/slides/slide22.xml><?xml version="1.0" encoding="utf-8"?>
 <p:sld xmlns:a="http://schemas.openxmlformats.org/drawingml/2006/main" xmlns:r="http://schemas.openxmlformats.org/officeDocument/2006/relationships" xmlns:p="http://schemas.openxmlformats.org/presentationml/2006/main">
   <p:cSld>
     <p:spTree>
@@ -12743,7 +12805,7 @@
 </p:sld>
 </file>
 
-<file path=ppt/slides/slide22.xml><?xml version="1.0" encoding="utf-8"?>
+<file path=ppt/slides/slide23.xml><?xml version="1.0" encoding="utf-8"?>
 <p:sld xmlns:a="http://schemas.openxmlformats.org/drawingml/2006/main" xmlns:r="http://schemas.openxmlformats.org/officeDocument/2006/relationships" xmlns:p="http://schemas.openxmlformats.org/presentationml/2006/main">
   <p:cSld>
     <p:spTree>
@@ -12827,7 +12889,7 @@
 </p:sld>
 </file>
 
-<file path=ppt/slides/slide23.xml><?xml version="1.0" encoding="utf-8"?>
+<file path=ppt/slides/slide24.xml><?xml version="1.0" encoding="utf-8"?>
 <p:sld xmlns:a="http://schemas.openxmlformats.org/drawingml/2006/main" xmlns:r="http://schemas.openxmlformats.org/officeDocument/2006/relationships" xmlns:p="http://schemas.openxmlformats.org/presentationml/2006/main">
   <p:cSld>
     <p:spTree>
@@ -13978,7 +14040,7 @@
 </p:sld>
 </file>
 
-<file path=ppt/slides/slide24.xml><?xml version="1.0" encoding="utf-8"?>
+<file path=ppt/slides/slide25.xml><?xml version="1.0" encoding="utf-8"?>
 <p:sld xmlns:a="http://schemas.openxmlformats.org/drawingml/2006/main" xmlns:r="http://schemas.openxmlformats.org/officeDocument/2006/relationships" xmlns:p="http://schemas.openxmlformats.org/presentationml/2006/main">
   <p:cSld>
     <p:spTree>
@@ -15121,7 +15183,7 @@
 </p:sld>
 </file>
 
-<file path=ppt/slides/slide25.xml><?xml version="1.0" encoding="utf-8"?>
+<file path=ppt/slides/slide26.xml><?xml version="1.0" encoding="utf-8"?>
 <p:sld xmlns:a="http://schemas.openxmlformats.org/drawingml/2006/main" xmlns:r="http://schemas.openxmlformats.org/officeDocument/2006/relationships" xmlns:p="http://schemas.openxmlformats.org/presentationml/2006/main">
   <p:cSld>
     <p:spTree>
@@ -16476,7 +16538,7 @@
 </p:sld>
 </file>
 
-<file path=ppt/slides/slide26.xml><?xml version="1.0" encoding="utf-8"?>
+<file path=ppt/slides/slide27.xml><?xml version="1.0" encoding="utf-8"?>
 <p:sld xmlns:a="http://schemas.openxmlformats.org/drawingml/2006/main" xmlns:r="http://schemas.openxmlformats.org/officeDocument/2006/relationships" xmlns:p="http://schemas.openxmlformats.org/presentationml/2006/main">
   <p:cSld>
     <p:spTree>
@@ -17030,7 +17092,7 @@
 </p:sld>
 </file>
 
-<file path=ppt/slides/slide27.xml><?xml version="1.0" encoding="utf-8"?>
+<file path=ppt/slides/slide28.xml><?xml version="1.0" encoding="utf-8"?>
 <p:sld xmlns:a="http://schemas.openxmlformats.org/drawingml/2006/main" xmlns:r="http://schemas.openxmlformats.org/officeDocument/2006/relationships" xmlns:p="http://schemas.openxmlformats.org/presentationml/2006/main">
   <p:cSld>
     <p:spTree>
@@ -17550,7 +17612,7 @@
 </p:sld>
 </file>
 
-<file path=ppt/slides/slide28.xml><?xml version="1.0" encoding="utf-8"?>
+<file path=ppt/slides/slide29.xml><?xml version="1.0" encoding="utf-8"?>
 <p:sld xmlns:a="http://schemas.openxmlformats.org/drawingml/2006/main" xmlns:r="http://schemas.openxmlformats.org/officeDocument/2006/relationships" xmlns:p="http://schemas.openxmlformats.org/presentationml/2006/main">
   <p:cSld>
     <p:spTree>
@@ -18324,6 +18386,100 @@
     <p:extLst>
       <p:ext uri="{BB962C8B-B14F-4D97-AF65-F5344CB8AC3E}">
         <p14:creationId xmlns:p14="http://schemas.microsoft.com/office/powerpoint/2010/main" val="697338355"/>
+      </p:ext>
+    </p:extLst>
+  </p:cSld>
+  <p:clrMapOvr>
+    <a:masterClrMapping/>
+  </p:clrMapOvr>
+</p:sld>
+</file>
+
+<file path=ppt/slides/slide30.xml><?xml version="1.0" encoding="utf-8"?>
+<p:sld xmlns:a="http://schemas.openxmlformats.org/drawingml/2006/main" xmlns:r="http://schemas.openxmlformats.org/officeDocument/2006/relationships" xmlns:p="http://schemas.openxmlformats.org/presentationml/2006/main">
+  <p:cSld>
+    <p:spTree>
+      <p:nvGrpSpPr>
+        <p:cNvPr id="1" name=""/>
+        <p:cNvGrpSpPr/>
+        <p:nvPr/>
+      </p:nvGrpSpPr>
+      <p:grpSpPr>
+        <a:xfrm>
+          <a:off x="0" y="0"/>
+          <a:ext cx="0" cy="0"/>
+          <a:chOff x="0" y="0"/>
+          <a:chExt cx="0" cy="0"/>
+        </a:xfrm>
+      </p:grpSpPr>
+      <p:sp>
+        <p:nvSpPr>
+          <p:cNvPr id="3" name="Título 2"/>
+          <p:cNvSpPr>
+            <a:spLocks noGrp="1"/>
+          </p:cNvSpPr>
+          <p:nvPr>
+            <p:ph type="title"/>
+          </p:nvPr>
+        </p:nvSpPr>
+        <p:spPr/>
+        <p:txBody>
+          <a:bodyPr/>
+          <a:lstStyle/>
+          <a:p>
+            <a:r>
+              <a:rPr lang="es-ES" dirty="0" smtClean="0"/>
+              <a:t>EJERCICIO</a:t>
+            </a:r>
+            <a:endParaRPr lang="es-ES" dirty="0"/>
+          </a:p>
+        </p:txBody>
+      </p:sp>
+      <p:sp>
+        <p:nvSpPr>
+          <p:cNvPr id="5" name="Marcador de contenido 4"/>
+          <p:cNvSpPr>
+            <a:spLocks noGrp="1"/>
+          </p:cNvSpPr>
+          <p:nvPr>
+            <p:ph idx="1"/>
+          </p:nvPr>
+        </p:nvSpPr>
+        <p:spPr/>
+        <p:txBody>
+          <a:bodyPr/>
+          <a:lstStyle/>
+          <a:p>
+            <a:r>
+              <a:rPr lang="es-ES" dirty="0" smtClean="0"/>
+              <a:t>PIENSEN EN SU PROYECTO FINAL, MODELE SU BASE DE DATOS (UN BOCETO).</a:t>
+            </a:r>
+          </a:p>
+          <a:p>
+            <a:r>
+              <a:rPr lang="es-ES" dirty="0" smtClean="0"/>
+              <a:t>PROGRAMA LA CONEXIÓN HACIA ESA BASE DE DATOS (DE PREFERENCIA EN PDO O MYSQLI EN OBJETOS)</a:t>
+            </a:r>
+          </a:p>
+          <a:p>
+            <a:r>
+              <a:rPr lang="es-ES" dirty="0" smtClean="0"/>
+              <a:t>RIFATE UN MONTON DE QUERYS E IMPRIMALOS EN LA PANTALLA</a:t>
+            </a:r>
+          </a:p>
+          <a:p>
+            <a:r>
+              <a:rPr lang="es-ES" dirty="0" smtClean="0"/>
+              <a:t>DISFRUTA.</a:t>
+            </a:r>
+            <a:endParaRPr lang="es-ES" dirty="0"/>
+          </a:p>
+        </p:txBody>
+      </p:sp>
+    </p:spTree>
+    <p:extLst>
+      <p:ext uri="{BB962C8B-B14F-4D97-AF65-F5344CB8AC3E}">
+        <p14:creationId xmlns:p14="http://schemas.microsoft.com/office/powerpoint/2010/main" val="2180304429"/>
       </p:ext>
     </p:extLst>
   </p:cSld>
